--- a/BSCSE/[251] Spring 2025/Theory of Computation_CSE 2233/Slides/03 - DFA.pptx
+++ b/BSCSE/[251] Spring 2025/Theory of Computation_CSE 2233/Slides/03 - DFA.pptx
@@ -6,7 +6,7 @@
     <p:sldMasterId id="2147483666" r:id="rId2"/>
   </p:sldMasterIdLst>
   <p:notesMasterIdLst>
-    <p:notesMasterId r:id="rId57"/>
+    <p:notesMasterId r:id="rId60"/>
   </p:notesMasterIdLst>
   <p:sldIdLst>
     <p:sldId id="290" r:id="rId3"/>
@@ -59,10 +59,13 @@
     <p:sldId id="304" r:id="rId50"/>
     <p:sldId id="283" r:id="rId51"/>
     <p:sldId id="284" r:id="rId52"/>
-    <p:sldId id="285" r:id="rId53"/>
-    <p:sldId id="287" r:id="rId54"/>
-    <p:sldId id="288" r:id="rId55"/>
-    <p:sldId id="289" r:id="rId56"/>
+    <p:sldId id="311" r:id="rId53"/>
+    <p:sldId id="285" r:id="rId54"/>
+    <p:sldId id="312" r:id="rId55"/>
+    <p:sldId id="287" r:id="rId56"/>
+    <p:sldId id="313" r:id="rId57"/>
+    <p:sldId id="288" r:id="rId58"/>
+    <p:sldId id="289" r:id="rId59"/>
   </p:sldIdLst>
   <p:sldSz cx="12192000" cy="6858000"/>
   <p:notesSz cx="12192000" cy="6858000"/>
@@ -172,7 +175,7 @@
           <a:p>
             <a:fld id="{86903050-F454-4ECC-82EE-3824B005181A}" type="datetimeFigureOut">
               <a:rPr lang="en-GB" smtClean="0"/>
-              <a:t>04/03/2025</a:t>
+              <a:t>08/03/2025</a:t>
             </a:fld>
             <a:endParaRPr lang="en-GB"/>
           </a:p>
@@ -669,7 +672,7 @@
           <a:p>
             <a:fld id="{1D8BD707-D9CF-40AE-B4C6-C98DA3205C09}" type="datetimeFigureOut">
               <a:rPr lang="en-US"/>
-              <a:t>3/4/2025</a:t>
+              <a:t>3/8/2025</a:t>
             </a:fld>
             <a:endParaRPr lang="en-US"/>
           </a:p>
@@ -794,7 +797,7 @@
           <a:p>
             <a:fld id="{1D8BD707-D9CF-40AE-B4C6-C98DA3205C09}" type="datetimeFigureOut">
               <a:rPr lang="en-US"/>
-              <a:t>3/4/2025</a:t>
+              <a:t>3/8/2025</a:t>
             </a:fld>
             <a:endParaRPr lang="en-US"/>
           </a:p>
@@ -976,7 +979,7 @@
           <a:p>
             <a:fld id="{1D8BD707-D9CF-40AE-B4C6-C98DA3205C09}" type="datetimeFigureOut">
               <a:rPr lang="en-US"/>
-              <a:t>3/4/2025</a:t>
+              <a:t>3/8/2025</a:t>
             </a:fld>
             <a:endParaRPr lang="en-US"/>
           </a:p>
@@ -1196,7 +1199,7 @@
           <a:p>
             <a:fld id="{1D8BD707-D9CF-40AE-B4C6-C98DA3205C09}" type="datetimeFigureOut">
               <a:rPr lang="en-US"/>
-              <a:t>3/4/2025</a:t>
+              <a:t>3/8/2025</a:t>
             </a:fld>
             <a:endParaRPr lang="en-US"/>
           </a:p>
@@ -1350,7 +1353,7 @@
           <a:p>
             <a:fld id="{1D8BD707-D9CF-40AE-B4C6-C98DA3205C09}" type="datetimeFigureOut">
               <a:rPr lang="en-US"/>
-              <a:t>3/4/2025</a:t>
+              <a:t>3/8/2025</a:t>
             </a:fld>
             <a:endParaRPr lang="en-US"/>
           </a:p>
@@ -1475,7 +1478,7 @@
           <a:p>
             <a:fld id="{1D8BD707-D9CF-40AE-B4C6-C98DA3205C09}" type="datetimeFigureOut">
               <a:rPr lang="en-US"/>
-              <a:t>3/4/2025</a:t>
+              <a:t>3/8/2025</a:t>
             </a:fld>
             <a:endParaRPr lang="en-US"/>
           </a:p>
@@ -1678,7 +1681,7 @@
           <a:p>
             <a:fld id="{1D8BD707-D9CF-40AE-B4C6-C98DA3205C09}" type="datetimeFigureOut">
               <a:rPr lang="en-US"/>
-              <a:t>3/4/2025</a:t>
+              <a:t>3/8/2025</a:t>
             </a:fld>
             <a:endParaRPr lang="en-US"/>
           </a:p>
@@ -1866,7 +1869,7 @@
           <a:p>
             <a:fld id="{1D8BD707-D9CF-40AE-B4C6-C98DA3205C09}" type="datetimeFigureOut">
               <a:rPr lang="en-US"/>
-              <a:t>3/4/2025</a:t>
+              <a:t>3/8/2025</a:t>
             </a:fld>
             <a:endParaRPr lang="en-US"/>
           </a:p>
@@ -2091,7 +2094,7 @@
           <a:p>
             <a:fld id="{1D8BD707-D9CF-40AE-B4C6-C98DA3205C09}" type="datetimeFigureOut">
               <a:rPr lang="en-US"/>
-              <a:t>3/4/2025</a:t>
+              <a:t>3/8/2025</a:t>
             </a:fld>
             <a:endParaRPr lang="en-US"/>
           </a:p>
@@ -2250,7 +2253,7 @@
           <a:p>
             <a:fld id="{1D8BD707-D9CF-40AE-B4C6-C98DA3205C09}" type="datetimeFigureOut">
               <a:rPr lang="en-US"/>
-              <a:t>3/4/2025</a:t>
+              <a:t>3/8/2025</a:t>
             </a:fld>
             <a:endParaRPr lang="en-US"/>
           </a:p>
@@ -2622,7 +2625,7 @@
           <a:p>
             <a:fld id="{1D8BD707-D9CF-40AE-B4C6-C98DA3205C09}" type="datetimeFigureOut">
               <a:rPr lang="en-US"/>
-              <a:t>3/4/2025</a:t>
+              <a:t>3/8/2025</a:t>
             </a:fld>
             <a:endParaRPr lang="en-US"/>
           </a:p>
@@ -3151,7 +3154,7 @@
           <a:p>
             <a:fld id="{1D8BD707-D9CF-40AE-B4C6-C98DA3205C09}" type="datetimeFigureOut">
               <a:rPr lang="en-US"/>
-              <a:t>3/4/2025</a:t>
+              <a:t>3/8/2025</a:t>
             </a:fld>
             <a:endParaRPr lang="en-US"/>
           </a:p>
@@ -47549,28 +47552,6 @@
           </a:p>
         </p:txBody>
       </p:sp>
-      <p:pic>
-        <p:nvPicPr>
-          <p:cNvPr id="4" name="object 4"/>
-          <p:cNvPicPr/>
-          <p:nvPr/>
-        </p:nvPicPr>
-        <p:blipFill>
-          <a:blip r:embed="rId2" cstate="print"/>
-          <a:stretch>
-            <a:fillRect/>
-          </a:stretch>
-        </p:blipFill>
-        <p:spPr>
-          <a:xfrm>
-            <a:off x="4818888" y="2979420"/>
-            <a:ext cx="2743200" cy="2415540"/>
-          </a:xfrm>
-          <a:prstGeom prst="rect">
-            <a:avLst/>
-          </a:prstGeom>
-        </p:spPr>
-      </p:pic>
       <p:sp>
         <p:nvSpPr>
           <p:cNvPr id="5" name="object 5"/>
@@ -47982,7 +47963,13 @@
   <p:cSld>
     <p:spTree>
       <p:nvGrpSpPr>
-        <p:cNvPr id="1" name=""/>
+        <p:cNvPr id="1" name="">
+          <a:extLst>
+            <a:ext uri="{FF2B5EF4-FFF2-40B4-BE49-F238E27FC236}">
+              <a16:creationId xmlns:a16="http://schemas.microsoft.com/office/drawing/2014/main" id="{9DA3A3E8-13B6-46F0-B2D7-D4453C82CD04}"/>
+            </a:ext>
+          </a:extLst>
+        </p:cNvPr>
         <p:cNvGrpSpPr/>
         <p:nvPr/>
       </p:nvGrpSpPr>
@@ -47996,12 +47983,18 @@
       </p:grpSpPr>
       <p:sp>
         <p:nvSpPr>
-          <p:cNvPr id="2" name="object 2"/>
+          <p:cNvPr id="2" name="object 2">
+            <a:extLst>
+              <a:ext uri="{FF2B5EF4-FFF2-40B4-BE49-F238E27FC236}">
+                <a16:creationId xmlns:a16="http://schemas.microsoft.com/office/drawing/2014/main" id="{EC8FE080-5D2D-0610-8D4A-9E3CECCB0F15}"/>
+              </a:ext>
+            </a:extLst>
+          </p:cNvPr>
           <p:cNvSpPr txBox="1">
             <a:spLocks noGrp="1"/>
           </p:cNvSpPr>
           <p:nvPr>
-            <p:ph type="ctrTitle"/>
+            <p:ph type="title"/>
           </p:nvPr>
         </p:nvSpPr>
         <p:spPr>
@@ -48010,7 +48003,7 @@
           </a:prstGeom>
         </p:spPr>
         <p:txBody>
-          <a:bodyPr vert="horz" wrap="square" lIns="0" tIns="12700" rIns="0" bIns="0" rtlCol="0">
+          <a:bodyPr vert="horz" wrap="square" lIns="0" tIns="634492" rIns="0" bIns="0" rtlCol="0">
             <a:spAutoFit/>
           </a:bodyPr>
           <a:lstStyle/>
@@ -48039,12 +48032,11 @@
               <a:t>𝐸</a:t>
             </a:r>
             <a:r>
-              <a:rPr spc="-25" dirty="0"/>
-              <a:t>2</a:t>
-            </a:r>
-            <a:r>
-              <a:rPr lang="en-US" spc="-25" dirty="0"/>
-              <a:t>7</a:t>
+              <a:rPr lang="en-US" spc="-25" dirty="0">
+                <a:latin typeface="Cambria Math"/>
+                <a:cs typeface="Cambria Math"/>
+              </a:rPr>
+              <a:t>26</a:t>
             </a:r>
             <a:endParaRPr spc="-25" dirty="0"/>
           </a:p>
@@ -48052,14 +48044,20 @@
       </p:sp>
       <p:sp>
         <p:nvSpPr>
-          <p:cNvPr id="3" name="object 3"/>
+          <p:cNvPr id="3" name="object 3">
+            <a:extLst>
+              <a:ext uri="{FF2B5EF4-FFF2-40B4-BE49-F238E27FC236}">
+                <a16:creationId xmlns:a16="http://schemas.microsoft.com/office/drawing/2014/main" id="{A90FD73A-D339-D614-AC00-9F1794ED6D2F}"/>
+              </a:ext>
+            </a:extLst>
+          </p:cNvPr>
           <p:cNvSpPr txBox="1"/>
           <p:nvPr/>
         </p:nvSpPr>
         <p:spPr>
           <a:xfrm>
-            <a:off x="1150924" y="1833499"/>
-            <a:ext cx="9196070" cy="330835"/>
+            <a:off x="1176324" y="1831975"/>
+            <a:ext cx="9737090" cy="605155"/>
           </a:xfrm>
           <a:prstGeom prst="rect">
             <a:avLst/>
@@ -48071,9 +48069,9 @@
           </a:bodyPr>
           <a:lstStyle/>
           <a:p>
-            <a:pPr marL="38100">
-              <a:lnSpc>
-                <a:spcPct val="100000"/>
+            <a:pPr marL="12700">
+              <a:lnSpc>
+                <a:spcPts val="2280"/>
               </a:lnSpc>
               <a:spcBef>
                 <a:spcPts val="105"/>
@@ -48130,6 +48128,46 @@
               <a:t>DFA</a:t>
             </a:r>
             <a:r>
+              <a:rPr sz="2000" spc="-45" dirty="0">
+                <a:solidFill>
+                  <a:srgbClr val="404040"/>
+                </a:solidFill>
+                <a:latin typeface="Calibri"/>
+                <a:cs typeface="Calibri"/>
+              </a:rPr>
+              <a:t> </a:t>
+            </a:r>
+            <a:r>
+              <a:rPr sz="2000" dirty="0">
+                <a:solidFill>
+                  <a:srgbClr val="404040"/>
+                </a:solidFill>
+                <a:latin typeface="Calibri"/>
+                <a:cs typeface="Calibri"/>
+              </a:rPr>
+              <a:t>for</a:t>
+            </a:r>
+            <a:r>
+              <a:rPr sz="2000" spc="-35" dirty="0">
+                <a:solidFill>
+                  <a:srgbClr val="404040"/>
+                </a:solidFill>
+                <a:latin typeface="Calibri"/>
+                <a:cs typeface="Calibri"/>
+              </a:rPr>
+              <a:t> </a:t>
+            </a:r>
+            <a:r>
+              <a:rPr sz="2000" dirty="0">
+                <a:solidFill>
+                  <a:srgbClr val="404040"/>
+                </a:solidFill>
+                <a:latin typeface="Calibri"/>
+                <a:cs typeface="Calibri"/>
+              </a:rPr>
+              <a:t>Σ</a:t>
+            </a:r>
+            <a:r>
               <a:rPr sz="2000" spc="-40" dirty="0">
                 <a:solidFill>
                   <a:srgbClr val="404040"/>
@@ -48147,7 +48185,47 @@
                 <a:latin typeface="Calibri"/>
                 <a:cs typeface="Calibri"/>
               </a:rPr>
-              <a:t>for</a:t>
+              <a:t>=</a:t>
+            </a:r>
+            <a:r>
+              <a:rPr sz="2000" spc="-25" dirty="0">
+                <a:solidFill>
+                  <a:srgbClr val="404040"/>
+                </a:solidFill>
+                <a:latin typeface="Calibri"/>
+                <a:cs typeface="Calibri"/>
+              </a:rPr>
+              <a:t> </a:t>
+            </a:r>
+            <a:r>
+              <a:rPr sz="2000" dirty="0">
+                <a:solidFill>
+                  <a:srgbClr val="404040"/>
+                </a:solidFill>
+                <a:latin typeface="Calibri"/>
+                <a:cs typeface="Calibri"/>
+              </a:rPr>
+              <a:t>{</a:t>
+            </a:r>
+            <a:r>
+              <a:rPr sz="2000" spc="-30" dirty="0">
+                <a:solidFill>
+                  <a:srgbClr val="404040"/>
+                </a:solidFill>
+                <a:latin typeface="Calibri"/>
+                <a:cs typeface="Calibri"/>
+              </a:rPr>
+              <a:t> </a:t>
+            </a:r>
+            <a:r>
+              <a:rPr sz="2000" dirty="0">
+                <a:solidFill>
+                  <a:srgbClr val="404040"/>
+                </a:solidFill>
+                <a:latin typeface="Calibri"/>
+                <a:cs typeface="Calibri"/>
+              </a:rPr>
+              <a:t>0,</a:t>
             </a:r>
             <a:r>
               <a:rPr sz="2000" spc="-35" dirty="0">
@@ -48167,7 +48245,107 @@
                 <a:latin typeface="Calibri"/>
                 <a:cs typeface="Calibri"/>
               </a:rPr>
-              <a:t>Σ</a:t>
+              <a:t>1,</a:t>
+            </a:r>
+            <a:r>
+              <a:rPr sz="2000" spc="-30" dirty="0">
+                <a:solidFill>
+                  <a:srgbClr val="404040"/>
+                </a:solidFill>
+                <a:latin typeface="Calibri"/>
+                <a:cs typeface="Calibri"/>
+              </a:rPr>
+              <a:t> </a:t>
+            </a:r>
+            <a:r>
+              <a:rPr sz="2000" dirty="0">
+                <a:solidFill>
+                  <a:srgbClr val="404040"/>
+                </a:solidFill>
+                <a:latin typeface="Calibri"/>
+                <a:cs typeface="Calibri"/>
+              </a:rPr>
+              <a:t>2,</a:t>
+            </a:r>
+            <a:r>
+              <a:rPr sz="2000" spc="-40" dirty="0">
+                <a:solidFill>
+                  <a:srgbClr val="404040"/>
+                </a:solidFill>
+                <a:latin typeface="Calibri"/>
+                <a:cs typeface="Calibri"/>
+              </a:rPr>
+              <a:t> </a:t>
+            </a:r>
+            <a:r>
+              <a:rPr sz="2000" dirty="0">
+                <a:solidFill>
+                  <a:srgbClr val="404040"/>
+                </a:solidFill>
+                <a:latin typeface="Calibri"/>
+                <a:cs typeface="Calibri"/>
+              </a:rPr>
+              <a:t>3,</a:t>
+            </a:r>
+            <a:r>
+              <a:rPr sz="2000" spc="-25" dirty="0">
+                <a:solidFill>
+                  <a:srgbClr val="404040"/>
+                </a:solidFill>
+                <a:latin typeface="Calibri"/>
+                <a:cs typeface="Calibri"/>
+              </a:rPr>
+              <a:t> </a:t>
+            </a:r>
+            <a:r>
+              <a:rPr sz="2000" dirty="0">
+                <a:solidFill>
+                  <a:srgbClr val="404040"/>
+                </a:solidFill>
+                <a:latin typeface="Calibri"/>
+                <a:cs typeface="Calibri"/>
+              </a:rPr>
+              <a:t>4,</a:t>
+            </a:r>
+            <a:r>
+              <a:rPr sz="2000" spc="-40" dirty="0">
+                <a:solidFill>
+                  <a:srgbClr val="404040"/>
+                </a:solidFill>
+                <a:latin typeface="Calibri"/>
+                <a:cs typeface="Calibri"/>
+              </a:rPr>
+              <a:t> </a:t>
+            </a:r>
+            <a:r>
+              <a:rPr sz="2000" dirty="0">
+                <a:solidFill>
+                  <a:srgbClr val="404040"/>
+                </a:solidFill>
+                <a:latin typeface="Calibri"/>
+                <a:cs typeface="Calibri"/>
+              </a:rPr>
+              <a:t>5,</a:t>
+            </a:r>
+            <a:r>
+              <a:rPr sz="2000" spc="-30" dirty="0">
+                <a:solidFill>
+                  <a:srgbClr val="404040"/>
+                </a:solidFill>
+                <a:latin typeface="Calibri"/>
+                <a:cs typeface="Calibri"/>
+              </a:rPr>
+              <a:t> </a:t>
+            </a:r>
+            <a:r>
+              <a:rPr sz="2000" dirty="0">
+                <a:solidFill>
+                  <a:srgbClr val="404040"/>
+                </a:solidFill>
+                <a:latin typeface="Calibri"/>
+                <a:cs typeface="Calibri"/>
+              </a:rPr>
+              <a:t>6,</a:t>
             </a:r>
             <a:r>
               <a:rPr sz="2000" spc="-35" dirty="0">
@@ -48187,7 +48365,87 @@
                 <a:latin typeface="Calibri"/>
                 <a:cs typeface="Calibri"/>
               </a:rPr>
-              <a:t>=</a:t>
+              <a:t>7,</a:t>
+            </a:r>
+            <a:r>
+              <a:rPr sz="2000" spc="-30" dirty="0">
+                <a:solidFill>
+                  <a:srgbClr val="404040"/>
+                </a:solidFill>
+                <a:latin typeface="Calibri"/>
+                <a:cs typeface="Calibri"/>
+              </a:rPr>
+              <a:t> </a:t>
+            </a:r>
+            <a:r>
+              <a:rPr sz="2000" dirty="0">
+                <a:solidFill>
+                  <a:srgbClr val="404040"/>
+                </a:solidFill>
+                <a:latin typeface="Calibri"/>
+                <a:cs typeface="Calibri"/>
+              </a:rPr>
+              <a:t>8,</a:t>
+            </a:r>
+            <a:r>
+              <a:rPr sz="2000" spc="-30" dirty="0">
+                <a:solidFill>
+                  <a:srgbClr val="404040"/>
+                </a:solidFill>
+                <a:latin typeface="Calibri"/>
+                <a:cs typeface="Calibri"/>
+              </a:rPr>
+              <a:t> </a:t>
+            </a:r>
+            <a:r>
+              <a:rPr sz="2000" dirty="0">
+                <a:solidFill>
+                  <a:srgbClr val="404040"/>
+                </a:solidFill>
+                <a:latin typeface="Calibri"/>
+                <a:cs typeface="Calibri"/>
+              </a:rPr>
+              <a:t>9</a:t>
+            </a:r>
+            <a:r>
+              <a:rPr sz="2000" spc="-35" dirty="0">
+                <a:solidFill>
+                  <a:srgbClr val="404040"/>
+                </a:solidFill>
+                <a:latin typeface="Calibri"/>
+                <a:cs typeface="Calibri"/>
+              </a:rPr>
+              <a:t> </a:t>
+            </a:r>
+            <a:r>
+              <a:rPr sz="2000" dirty="0">
+                <a:solidFill>
+                  <a:srgbClr val="404040"/>
+                </a:solidFill>
+                <a:latin typeface="Calibri"/>
+                <a:cs typeface="Calibri"/>
+              </a:rPr>
+              <a:t>}</a:t>
+            </a:r>
+            <a:r>
+              <a:rPr sz="2000" spc="-30" dirty="0">
+                <a:solidFill>
+                  <a:srgbClr val="404040"/>
+                </a:solidFill>
+                <a:latin typeface="Calibri"/>
+                <a:cs typeface="Calibri"/>
+              </a:rPr>
+              <a:t> </a:t>
+            </a:r>
+            <a:r>
+              <a:rPr sz="2000" dirty="0">
+                <a:solidFill>
+                  <a:srgbClr val="404040"/>
+                </a:solidFill>
+                <a:latin typeface="Calibri"/>
+                <a:cs typeface="Calibri"/>
+              </a:rPr>
+              <a:t>that</a:t>
             </a:r>
             <a:r>
               <a:rPr sz="2000" spc="-25" dirty="0">
@@ -48207,7 +48465,27 @@
                 <a:latin typeface="Calibri"/>
                 <a:cs typeface="Calibri"/>
               </a:rPr>
-              <a:t>{</a:t>
+              <a:t>accepts</a:t>
+            </a:r>
+            <a:r>
+              <a:rPr sz="2000" spc="-20" dirty="0">
+                <a:solidFill>
+                  <a:srgbClr val="404040"/>
+                </a:solidFill>
+                <a:latin typeface="Calibri"/>
+                <a:cs typeface="Calibri"/>
+              </a:rPr>
+              <a:t> </a:t>
+            </a:r>
+            <a:r>
+              <a:rPr sz="2000" dirty="0">
+                <a:solidFill>
+                  <a:srgbClr val="404040"/>
+                </a:solidFill>
+                <a:latin typeface="Calibri"/>
+                <a:cs typeface="Calibri"/>
+              </a:rPr>
+              <a:t>strings</a:t>
             </a:r>
             <a:r>
               <a:rPr sz="2000" spc="-25" dirty="0">
@@ -48227,7 +48505,47 @@
                 <a:latin typeface="Calibri"/>
                 <a:cs typeface="Calibri"/>
               </a:rPr>
-              <a:t>a,</a:t>
+              <a:t>whose</a:t>
+            </a:r>
+            <a:r>
+              <a:rPr sz="2000" spc="-35" dirty="0">
+                <a:solidFill>
+                  <a:srgbClr val="404040"/>
+                </a:solidFill>
+                <a:latin typeface="Calibri"/>
+                <a:cs typeface="Calibri"/>
+              </a:rPr>
+              <a:t> </a:t>
+            </a:r>
+            <a:r>
+              <a:rPr sz="2000" dirty="0">
+                <a:solidFill>
+                  <a:srgbClr val="404040"/>
+                </a:solidFill>
+                <a:latin typeface="Calibri"/>
+                <a:cs typeface="Calibri"/>
+              </a:rPr>
+              <a:t>decimal</a:t>
+            </a:r>
+            <a:r>
+              <a:rPr sz="2000" spc="-20" dirty="0">
+                <a:solidFill>
+                  <a:srgbClr val="404040"/>
+                </a:solidFill>
+                <a:latin typeface="Calibri"/>
+                <a:cs typeface="Calibri"/>
+              </a:rPr>
+              <a:t> </a:t>
+            </a:r>
+            <a:r>
+              <a:rPr sz="2000" dirty="0">
+                <a:solidFill>
+                  <a:srgbClr val="404040"/>
+                </a:solidFill>
+                <a:latin typeface="Calibri"/>
+                <a:cs typeface="Calibri"/>
+              </a:rPr>
+              <a:t>equivalent</a:t>
             </a:r>
             <a:r>
               <a:rPr sz="2000" spc="-25" dirty="0">
@@ -48247,87 +48565,68 @@
                 <a:latin typeface="Calibri"/>
                 <a:cs typeface="Calibri"/>
               </a:rPr>
-              <a:t>b,</a:t>
-            </a:r>
-            <a:r>
-              <a:rPr sz="2000" spc="-30" dirty="0">
-                <a:solidFill>
-                  <a:srgbClr val="404040"/>
-                </a:solidFill>
-                <a:latin typeface="Calibri"/>
-                <a:cs typeface="Calibri"/>
-              </a:rPr>
-              <a:t> </a:t>
-            </a:r>
-            <a:r>
-              <a:rPr sz="2000" dirty="0">
-                <a:solidFill>
-                  <a:srgbClr val="404040"/>
-                </a:solidFill>
-                <a:latin typeface="Calibri"/>
-                <a:cs typeface="Calibri"/>
-              </a:rPr>
-              <a:t>c</a:t>
-            </a:r>
-            <a:r>
-              <a:rPr sz="2000" spc="-25" dirty="0">
-                <a:solidFill>
-                  <a:srgbClr val="404040"/>
-                </a:solidFill>
-                <a:latin typeface="Calibri"/>
-                <a:cs typeface="Calibri"/>
-              </a:rPr>
-              <a:t> </a:t>
-            </a:r>
-            <a:r>
-              <a:rPr sz="2000" dirty="0">
-                <a:solidFill>
-                  <a:srgbClr val="404040"/>
-                </a:solidFill>
-                <a:latin typeface="Calibri"/>
-                <a:cs typeface="Calibri"/>
-              </a:rPr>
-              <a:t>}</a:t>
-            </a:r>
-            <a:r>
-              <a:rPr sz="2000" spc="-30" dirty="0">
-                <a:solidFill>
-                  <a:srgbClr val="404040"/>
-                </a:solidFill>
-                <a:latin typeface="Calibri"/>
-                <a:cs typeface="Calibri"/>
-              </a:rPr>
-              <a:t> </a:t>
-            </a:r>
-            <a:r>
-              <a:rPr sz="2000" dirty="0">
-                <a:solidFill>
-                  <a:srgbClr val="404040"/>
-                </a:solidFill>
-                <a:latin typeface="Calibri"/>
-                <a:cs typeface="Calibri"/>
-              </a:rPr>
-              <a:t>and</a:t>
-            </a:r>
-            <a:r>
-              <a:rPr sz="2000" spc="-35" dirty="0">
-                <a:solidFill>
-                  <a:srgbClr val="404040"/>
-                </a:solidFill>
-                <a:latin typeface="Calibri"/>
-                <a:cs typeface="Calibri"/>
-              </a:rPr>
-              <a:t> </a:t>
-            </a:r>
-            <a:r>
-              <a:rPr sz="2000" spc="-10" dirty="0">
-                <a:solidFill>
-                  <a:srgbClr val="404040"/>
-                </a:solidFill>
-                <a:latin typeface="Calibri"/>
-                <a:cs typeface="Calibri"/>
-              </a:rPr>
-              <a:t>recognizes</a:t>
+              <a:t>is</a:t>
+            </a:r>
+            <a:r>
+              <a:rPr sz="2000" spc="-20" dirty="0">
+                <a:solidFill>
+                  <a:srgbClr val="404040"/>
+                </a:solidFill>
+                <a:latin typeface="Calibri"/>
+                <a:cs typeface="Calibri"/>
+              </a:rPr>
+              <a:t> </a:t>
+            </a:r>
+            <a:r>
+              <a:rPr sz="2000" spc="-50" dirty="0">
+                <a:solidFill>
+                  <a:srgbClr val="404040"/>
+                </a:solidFill>
+                <a:latin typeface="Calibri"/>
+                <a:cs typeface="Calibri"/>
+              </a:rPr>
+              <a:t>a</a:t>
+            </a:r>
+            <a:endParaRPr sz="2000">
+              <a:latin typeface="Calibri"/>
+              <a:cs typeface="Calibri"/>
+            </a:endParaRPr>
+          </a:p>
+          <a:p>
+            <a:pPr marL="12700">
+              <a:lnSpc>
+                <a:spcPts val="2280"/>
+              </a:lnSpc>
+            </a:pPr>
+            <a:r>
+              <a:rPr sz="2000" dirty="0">
+                <a:solidFill>
+                  <a:srgbClr val="404040"/>
+                </a:solidFill>
+                <a:latin typeface="Calibri"/>
+                <a:cs typeface="Calibri"/>
+              </a:rPr>
+              <a:t>multiple</a:t>
+            </a:r>
+            <a:r>
+              <a:rPr sz="2000" spc="-20" dirty="0">
+                <a:solidFill>
+                  <a:srgbClr val="404040"/>
+                </a:solidFill>
+                <a:latin typeface="Calibri"/>
+                <a:cs typeface="Calibri"/>
+              </a:rPr>
+              <a:t> </a:t>
+            </a:r>
+            <a:r>
+              <a:rPr sz="2000" dirty="0">
+                <a:solidFill>
+                  <a:srgbClr val="404040"/>
+                </a:solidFill>
+                <a:latin typeface="Calibri"/>
+                <a:cs typeface="Calibri"/>
+              </a:rPr>
+              <a:t>of</a:t>
             </a:r>
             <a:r>
               <a:rPr sz="2000" spc="-40" dirty="0">
@@ -48340,246 +48639,6 @@
               <a:t> </a:t>
             </a:r>
             <a:r>
-              <a:rPr sz="2000" dirty="0">
-                <a:solidFill>
-                  <a:srgbClr val="404040"/>
-                </a:solidFill>
-                <a:latin typeface="Calibri"/>
-                <a:cs typeface="Calibri"/>
-              </a:rPr>
-              <a:t>strings</a:t>
-            </a:r>
-            <a:r>
-              <a:rPr sz="2000" spc="-15" dirty="0">
-                <a:solidFill>
-                  <a:srgbClr val="404040"/>
-                </a:solidFill>
-                <a:latin typeface="Calibri"/>
-                <a:cs typeface="Calibri"/>
-              </a:rPr>
-              <a:t> </a:t>
-            </a:r>
-            <a:r>
-              <a:rPr sz="2000" dirty="0">
-                <a:solidFill>
-                  <a:srgbClr val="404040"/>
-                </a:solidFill>
-                <a:latin typeface="Calibri"/>
-                <a:cs typeface="Calibri"/>
-              </a:rPr>
-              <a:t>having</a:t>
-            </a:r>
-            <a:r>
-              <a:rPr sz="2000" spc="-25" dirty="0">
-                <a:solidFill>
-                  <a:srgbClr val="404040"/>
-                </a:solidFill>
-                <a:latin typeface="Calibri"/>
-                <a:cs typeface="Calibri"/>
-              </a:rPr>
-              <a:t> </a:t>
-            </a:r>
-            <a:r>
-              <a:rPr sz="2000" spc="-10" dirty="0">
-                <a:solidFill>
-                  <a:srgbClr val="404040"/>
-                </a:solidFill>
-                <a:latin typeface="Calibri"/>
-                <a:cs typeface="Calibri"/>
-              </a:rPr>
-              <a:t>patterns</a:t>
-            </a:r>
-            <a:r>
-              <a:rPr sz="2000" spc="-25" dirty="0">
-                <a:solidFill>
-                  <a:srgbClr val="404040"/>
-                </a:solidFill>
-                <a:latin typeface="Calibri"/>
-                <a:cs typeface="Calibri"/>
-              </a:rPr>
-              <a:t> </a:t>
-            </a:r>
-            <a:r>
-              <a:rPr sz="2000" dirty="0">
-                <a:solidFill>
-                  <a:srgbClr val="404040"/>
-                </a:solidFill>
-                <a:latin typeface="Calibri"/>
-                <a:cs typeface="Calibri"/>
-              </a:rPr>
-              <a:t>=</a:t>
-            </a:r>
-            <a:r>
-              <a:rPr sz="2000" spc="-20" dirty="0">
-                <a:solidFill>
-                  <a:srgbClr val="404040"/>
-                </a:solidFill>
-                <a:latin typeface="Calibri"/>
-                <a:cs typeface="Calibri"/>
-              </a:rPr>
-              <a:t> </a:t>
-            </a:r>
-            <a:r>
-              <a:rPr sz="2000" dirty="0">
-                <a:solidFill>
-                  <a:srgbClr val="404040"/>
-                </a:solidFill>
-                <a:latin typeface="Calibri"/>
-                <a:cs typeface="Calibri"/>
-              </a:rPr>
-              <a:t>{</a:t>
-            </a:r>
-            <a:r>
-              <a:rPr sz="2000" dirty="0">
-                <a:solidFill>
-                  <a:srgbClr val="404040"/>
-                </a:solidFill>
-                <a:latin typeface="Cambria Math"/>
-                <a:cs typeface="Cambria Math"/>
-              </a:rPr>
-              <a:t>𝑎</a:t>
-            </a:r>
-            <a:r>
-              <a:rPr sz="1950" baseline="25641" dirty="0">
-                <a:solidFill>
-                  <a:srgbClr val="404040"/>
-                </a:solidFill>
-                <a:latin typeface="Calibri"/>
-                <a:cs typeface="Calibri"/>
-              </a:rPr>
-              <a:t>n</a:t>
-            </a:r>
-            <a:r>
-              <a:rPr sz="2000" dirty="0">
-                <a:solidFill>
-                  <a:srgbClr val="404040"/>
-                </a:solidFill>
-                <a:latin typeface="Cambria Math"/>
-                <a:cs typeface="Cambria Math"/>
-              </a:rPr>
-              <a:t>𝑏</a:t>
-            </a:r>
-            <a:r>
-              <a:rPr sz="1950" baseline="25641" dirty="0">
-                <a:solidFill>
-                  <a:srgbClr val="404040"/>
-                </a:solidFill>
-                <a:latin typeface="Cambria Math"/>
-                <a:cs typeface="Cambria Math"/>
-              </a:rPr>
-              <a:t>𝑚</a:t>
-            </a:r>
-            <a:r>
-              <a:rPr sz="2000" dirty="0">
-                <a:solidFill>
-                  <a:srgbClr val="404040"/>
-                </a:solidFill>
-                <a:latin typeface="Cambria Math"/>
-                <a:cs typeface="Cambria Math"/>
-              </a:rPr>
-              <a:t>𝑐</a:t>
-            </a:r>
-            <a:r>
-              <a:rPr sz="1950" baseline="25641" dirty="0">
-                <a:solidFill>
-                  <a:srgbClr val="404040"/>
-                </a:solidFill>
-                <a:latin typeface="Cambria Math"/>
-                <a:cs typeface="Cambria Math"/>
-              </a:rPr>
-              <a:t>𝑙</a:t>
-            </a:r>
-            <a:r>
-              <a:rPr sz="1950" spc="209" baseline="25641" dirty="0">
-                <a:solidFill>
-                  <a:srgbClr val="404040"/>
-                </a:solidFill>
-                <a:latin typeface="Cambria Math"/>
-                <a:cs typeface="Cambria Math"/>
-              </a:rPr>
-              <a:t> </a:t>
-            </a:r>
-            <a:r>
-              <a:rPr sz="2000" dirty="0">
-                <a:solidFill>
-                  <a:srgbClr val="404040"/>
-                </a:solidFill>
-                <a:latin typeface="Calibri"/>
-                <a:cs typeface="Calibri"/>
-              </a:rPr>
-              <a:t>|</a:t>
-            </a:r>
-            <a:r>
-              <a:rPr sz="2000" spc="-40" dirty="0">
-                <a:solidFill>
-                  <a:srgbClr val="404040"/>
-                </a:solidFill>
-                <a:latin typeface="Calibri"/>
-                <a:cs typeface="Calibri"/>
-              </a:rPr>
-              <a:t> </a:t>
-            </a:r>
-            <a:r>
-              <a:rPr sz="2000" dirty="0">
-                <a:solidFill>
-                  <a:srgbClr val="404040"/>
-                </a:solidFill>
-                <a:latin typeface="Calibri"/>
-                <a:cs typeface="Calibri"/>
-              </a:rPr>
-              <a:t>n,m,l</a:t>
-            </a:r>
-            <a:r>
-              <a:rPr sz="2000" spc="-40" dirty="0">
-                <a:solidFill>
-                  <a:srgbClr val="404040"/>
-                </a:solidFill>
-                <a:latin typeface="Calibri"/>
-                <a:cs typeface="Calibri"/>
-              </a:rPr>
-              <a:t> </a:t>
-            </a:r>
-            <a:r>
-              <a:rPr sz="2000" dirty="0">
-                <a:solidFill>
-                  <a:srgbClr val="404040"/>
-                </a:solidFill>
-                <a:latin typeface="Calibri"/>
-                <a:cs typeface="Calibri"/>
-              </a:rPr>
-              <a:t>&gt;=</a:t>
-            </a:r>
-            <a:r>
-              <a:rPr sz="2000" spc="-10" dirty="0">
-                <a:solidFill>
-                  <a:srgbClr val="404040"/>
-                </a:solidFill>
-                <a:latin typeface="Calibri"/>
-                <a:cs typeface="Calibri"/>
-              </a:rPr>
-              <a:t> </a:t>
-            </a:r>
-            <a:r>
-              <a:rPr sz="2000" dirty="0">
-                <a:solidFill>
-                  <a:srgbClr val="404040"/>
-                </a:solidFill>
-                <a:latin typeface="Calibri"/>
-                <a:cs typeface="Calibri"/>
-              </a:rPr>
-              <a:t>0</a:t>
-            </a:r>
-            <a:r>
-              <a:rPr sz="2000" spc="-40" dirty="0">
-                <a:solidFill>
-                  <a:srgbClr val="404040"/>
-                </a:solidFill>
-                <a:latin typeface="Calibri"/>
-                <a:cs typeface="Calibri"/>
-              </a:rPr>
-              <a:t> </a:t>
-            </a:r>
-            <a:r>
               <a:rPr sz="2000" spc="-50" dirty="0">
                 <a:solidFill>
                   <a:srgbClr val="404040"/>
@@ -48587,9 +48646,9 @@
                 <a:latin typeface="Calibri"/>
                 <a:cs typeface="Calibri"/>
               </a:rPr>
-              <a:t>}</a:t>
-            </a:r>
-            <a:endParaRPr sz="2000" dirty="0">
+              <a:t>3</a:t>
+            </a:r>
+            <a:endParaRPr sz="2000">
               <a:latin typeface="Calibri"/>
               <a:cs typeface="Calibri"/>
             </a:endParaRPr>
@@ -48598,7 +48657,13 @@
       </p:sp>
       <p:pic>
         <p:nvPicPr>
-          <p:cNvPr id="4" name="object 4"/>
+          <p:cNvPr id="4" name="object 4">
+            <a:extLst>
+              <a:ext uri="{FF2B5EF4-FFF2-40B4-BE49-F238E27FC236}">
+                <a16:creationId xmlns:a16="http://schemas.microsoft.com/office/drawing/2014/main" id="{59E42E1A-1813-CEF0-AC1F-9064F828DD6D}"/>
+              </a:ext>
+            </a:extLst>
+          </p:cNvPr>
           <p:cNvPicPr/>
           <p:nvPr/>
         </p:nvPicPr>
@@ -48610,8 +48675,8 @@
         </p:blipFill>
         <p:spPr>
           <a:xfrm>
-            <a:off x="4617720" y="2987039"/>
-            <a:ext cx="3139439" cy="2118360"/>
+            <a:off x="4818888" y="2979420"/>
+            <a:ext cx="2743200" cy="2415540"/>
           </a:xfrm>
           <a:prstGeom prst="rect">
             <a:avLst/>
@@ -48620,7 +48685,13 @@
       </p:pic>
       <p:sp>
         <p:nvSpPr>
-          <p:cNvPr id="5" name="object 5"/>
+          <p:cNvPr id="5" name="object 5">
+            <a:extLst>
+              <a:ext uri="{FF2B5EF4-FFF2-40B4-BE49-F238E27FC236}">
+                <a16:creationId xmlns:a16="http://schemas.microsoft.com/office/drawing/2014/main" id="{6CCF1288-2F5D-4D21-429E-B17257E26219}"/>
+              </a:ext>
+            </a:extLst>
+          </p:cNvPr>
           <p:cNvSpPr txBox="1">
             <a:spLocks noGrp="1"/>
           </p:cNvSpPr>
@@ -48657,7 +48728,7 @@
           <p:cNvPr id="6" name="object 5">
             <a:extLst>
               <a:ext uri="{FF2B5EF4-FFF2-40B4-BE49-F238E27FC236}">
-                <a16:creationId xmlns:a16="http://schemas.microsoft.com/office/drawing/2014/main" id="{F430EA1C-60F3-27BA-CB02-26413C4C9714}"/>
+                <a16:creationId xmlns:a16="http://schemas.microsoft.com/office/drawing/2014/main" id="{636B3C71-D43A-2437-9EA4-3629BFC86D9D}"/>
               </a:ext>
             </a:extLst>
           </p:cNvPr>
@@ -49017,6 +49088,11 @@
         </p:txBody>
       </p:sp>
     </p:spTree>
+    <p:extLst>
+      <p:ext uri="{BB962C8B-B14F-4D97-AF65-F5344CB8AC3E}">
+        <p14:creationId xmlns:p14="http://schemas.microsoft.com/office/powerpoint/2010/main" val="3503373476"/>
+      </p:ext>
+    </p:extLst>
   </p:cSld>
   <p:clrMapOvr>
     <a:masterClrMapping/>
@@ -49091,6 +49167,2113 @@
             </a:r>
             <a:r>
               <a:rPr lang="en-US" spc="-25" dirty="0"/>
+              <a:t>7</a:t>
+            </a:r>
+            <a:endParaRPr spc="-25" dirty="0"/>
+          </a:p>
+        </p:txBody>
+      </p:sp>
+      <p:sp>
+        <p:nvSpPr>
+          <p:cNvPr id="3" name="object 3"/>
+          <p:cNvSpPr txBox="1"/>
+          <p:nvPr/>
+        </p:nvSpPr>
+        <p:spPr>
+          <a:xfrm>
+            <a:off x="1150924" y="1833499"/>
+            <a:ext cx="9196070" cy="330835"/>
+          </a:xfrm>
+          <a:prstGeom prst="rect">
+            <a:avLst/>
+          </a:prstGeom>
+        </p:spPr>
+        <p:txBody>
+          <a:bodyPr vert="horz" wrap="square" lIns="0" tIns="13335" rIns="0" bIns="0" rtlCol="0">
+            <a:spAutoFit/>
+          </a:bodyPr>
+          <a:lstStyle/>
+          <a:p>
+            <a:pPr marL="38100">
+              <a:lnSpc>
+                <a:spcPct val="100000"/>
+              </a:lnSpc>
+              <a:spcBef>
+                <a:spcPts val="105"/>
+              </a:spcBef>
+            </a:pPr>
+            <a:r>
+              <a:rPr sz="2000" dirty="0">
+                <a:solidFill>
+                  <a:srgbClr val="404040"/>
+                </a:solidFill>
+                <a:latin typeface="Calibri"/>
+                <a:cs typeface="Calibri"/>
+              </a:rPr>
+              <a:t>Give</a:t>
+            </a:r>
+            <a:r>
+              <a:rPr sz="2000" spc="-15" dirty="0">
+                <a:solidFill>
+                  <a:srgbClr val="404040"/>
+                </a:solidFill>
+                <a:latin typeface="Calibri"/>
+                <a:cs typeface="Calibri"/>
+              </a:rPr>
+              <a:t> </a:t>
+            </a:r>
+            <a:r>
+              <a:rPr sz="2000" dirty="0">
+                <a:solidFill>
+                  <a:srgbClr val="404040"/>
+                </a:solidFill>
+                <a:latin typeface="Calibri"/>
+                <a:cs typeface="Calibri"/>
+              </a:rPr>
+              <a:t>a</a:t>
+            </a:r>
+            <a:r>
+              <a:rPr sz="2000" spc="-25" dirty="0">
+                <a:solidFill>
+                  <a:srgbClr val="404040"/>
+                </a:solidFill>
+                <a:latin typeface="Calibri"/>
+                <a:cs typeface="Calibri"/>
+              </a:rPr>
+              <a:t> </a:t>
+            </a:r>
+            <a:r>
+              <a:rPr sz="2000" spc="-20" dirty="0">
+                <a:solidFill>
+                  <a:srgbClr val="404040"/>
+                </a:solidFill>
+                <a:latin typeface="Calibri"/>
+                <a:cs typeface="Calibri"/>
+              </a:rPr>
+              <a:t>DFA</a:t>
+            </a:r>
+            <a:r>
+              <a:rPr sz="2000" spc="-40" dirty="0">
+                <a:solidFill>
+                  <a:srgbClr val="404040"/>
+                </a:solidFill>
+                <a:latin typeface="Calibri"/>
+                <a:cs typeface="Calibri"/>
+              </a:rPr>
+              <a:t> </a:t>
+            </a:r>
+            <a:r>
+              <a:rPr sz="2000" dirty="0">
+                <a:solidFill>
+                  <a:srgbClr val="404040"/>
+                </a:solidFill>
+                <a:latin typeface="Calibri"/>
+                <a:cs typeface="Calibri"/>
+              </a:rPr>
+              <a:t>for</a:t>
+            </a:r>
+            <a:r>
+              <a:rPr sz="2000" spc="-35" dirty="0">
+                <a:solidFill>
+                  <a:srgbClr val="404040"/>
+                </a:solidFill>
+                <a:latin typeface="Calibri"/>
+                <a:cs typeface="Calibri"/>
+              </a:rPr>
+              <a:t> </a:t>
+            </a:r>
+            <a:r>
+              <a:rPr sz="2000" dirty="0">
+                <a:solidFill>
+                  <a:srgbClr val="404040"/>
+                </a:solidFill>
+                <a:latin typeface="Calibri"/>
+                <a:cs typeface="Calibri"/>
+              </a:rPr>
+              <a:t>Σ</a:t>
+            </a:r>
+            <a:r>
+              <a:rPr sz="2000" spc="-35" dirty="0">
+                <a:solidFill>
+                  <a:srgbClr val="404040"/>
+                </a:solidFill>
+                <a:latin typeface="Calibri"/>
+                <a:cs typeface="Calibri"/>
+              </a:rPr>
+              <a:t> </a:t>
+            </a:r>
+            <a:r>
+              <a:rPr sz="2000" dirty="0">
+                <a:solidFill>
+                  <a:srgbClr val="404040"/>
+                </a:solidFill>
+                <a:latin typeface="Calibri"/>
+                <a:cs typeface="Calibri"/>
+              </a:rPr>
+              <a:t>=</a:t>
+            </a:r>
+            <a:r>
+              <a:rPr sz="2000" spc="-25" dirty="0">
+                <a:solidFill>
+                  <a:srgbClr val="404040"/>
+                </a:solidFill>
+                <a:latin typeface="Calibri"/>
+                <a:cs typeface="Calibri"/>
+              </a:rPr>
+              <a:t> </a:t>
+            </a:r>
+            <a:r>
+              <a:rPr sz="2000" dirty="0">
+                <a:solidFill>
+                  <a:srgbClr val="404040"/>
+                </a:solidFill>
+                <a:latin typeface="Calibri"/>
+                <a:cs typeface="Calibri"/>
+              </a:rPr>
+              <a:t>{</a:t>
+            </a:r>
+            <a:r>
+              <a:rPr sz="2000" spc="-25" dirty="0">
+                <a:solidFill>
+                  <a:srgbClr val="404040"/>
+                </a:solidFill>
+                <a:latin typeface="Calibri"/>
+                <a:cs typeface="Calibri"/>
+              </a:rPr>
+              <a:t> </a:t>
+            </a:r>
+            <a:r>
+              <a:rPr sz="2000" dirty="0">
+                <a:solidFill>
+                  <a:srgbClr val="404040"/>
+                </a:solidFill>
+                <a:latin typeface="Calibri"/>
+                <a:cs typeface="Calibri"/>
+              </a:rPr>
+              <a:t>a,</a:t>
+            </a:r>
+            <a:r>
+              <a:rPr sz="2000" spc="-25" dirty="0">
+                <a:solidFill>
+                  <a:srgbClr val="404040"/>
+                </a:solidFill>
+                <a:latin typeface="Calibri"/>
+                <a:cs typeface="Calibri"/>
+              </a:rPr>
+              <a:t> </a:t>
+            </a:r>
+            <a:r>
+              <a:rPr sz="2000" dirty="0">
+                <a:solidFill>
+                  <a:srgbClr val="404040"/>
+                </a:solidFill>
+                <a:latin typeface="Calibri"/>
+                <a:cs typeface="Calibri"/>
+              </a:rPr>
+              <a:t>b,</a:t>
+            </a:r>
+            <a:r>
+              <a:rPr sz="2000" spc="-30" dirty="0">
+                <a:solidFill>
+                  <a:srgbClr val="404040"/>
+                </a:solidFill>
+                <a:latin typeface="Calibri"/>
+                <a:cs typeface="Calibri"/>
+              </a:rPr>
+              <a:t> </a:t>
+            </a:r>
+            <a:r>
+              <a:rPr sz="2000" dirty="0">
+                <a:solidFill>
+                  <a:srgbClr val="404040"/>
+                </a:solidFill>
+                <a:latin typeface="Calibri"/>
+                <a:cs typeface="Calibri"/>
+              </a:rPr>
+              <a:t>c</a:t>
+            </a:r>
+            <a:r>
+              <a:rPr sz="2000" spc="-25" dirty="0">
+                <a:solidFill>
+                  <a:srgbClr val="404040"/>
+                </a:solidFill>
+                <a:latin typeface="Calibri"/>
+                <a:cs typeface="Calibri"/>
+              </a:rPr>
+              <a:t> </a:t>
+            </a:r>
+            <a:r>
+              <a:rPr sz="2000" dirty="0">
+                <a:solidFill>
+                  <a:srgbClr val="404040"/>
+                </a:solidFill>
+                <a:latin typeface="Calibri"/>
+                <a:cs typeface="Calibri"/>
+              </a:rPr>
+              <a:t>}</a:t>
+            </a:r>
+            <a:r>
+              <a:rPr sz="2000" spc="-30" dirty="0">
+                <a:solidFill>
+                  <a:srgbClr val="404040"/>
+                </a:solidFill>
+                <a:latin typeface="Calibri"/>
+                <a:cs typeface="Calibri"/>
+              </a:rPr>
+              <a:t> </a:t>
+            </a:r>
+            <a:r>
+              <a:rPr sz="2000" dirty="0">
+                <a:solidFill>
+                  <a:srgbClr val="404040"/>
+                </a:solidFill>
+                <a:latin typeface="Calibri"/>
+                <a:cs typeface="Calibri"/>
+              </a:rPr>
+              <a:t>and</a:t>
+            </a:r>
+            <a:r>
+              <a:rPr sz="2000" spc="-35" dirty="0">
+                <a:solidFill>
+                  <a:srgbClr val="404040"/>
+                </a:solidFill>
+                <a:latin typeface="Calibri"/>
+                <a:cs typeface="Calibri"/>
+              </a:rPr>
+              <a:t> </a:t>
+            </a:r>
+            <a:r>
+              <a:rPr sz="2000" spc="-10" dirty="0">
+                <a:solidFill>
+                  <a:srgbClr val="404040"/>
+                </a:solidFill>
+                <a:latin typeface="Calibri"/>
+                <a:cs typeface="Calibri"/>
+              </a:rPr>
+              <a:t>recognizes</a:t>
+            </a:r>
+            <a:r>
+              <a:rPr sz="2000" spc="-40" dirty="0">
+                <a:solidFill>
+                  <a:srgbClr val="404040"/>
+                </a:solidFill>
+                <a:latin typeface="Calibri"/>
+                <a:cs typeface="Calibri"/>
+              </a:rPr>
+              <a:t> </a:t>
+            </a:r>
+            <a:r>
+              <a:rPr sz="2000" dirty="0">
+                <a:solidFill>
+                  <a:srgbClr val="404040"/>
+                </a:solidFill>
+                <a:latin typeface="Calibri"/>
+                <a:cs typeface="Calibri"/>
+              </a:rPr>
+              <a:t>strings</a:t>
+            </a:r>
+            <a:r>
+              <a:rPr sz="2000" spc="-15" dirty="0">
+                <a:solidFill>
+                  <a:srgbClr val="404040"/>
+                </a:solidFill>
+                <a:latin typeface="Calibri"/>
+                <a:cs typeface="Calibri"/>
+              </a:rPr>
+              <a:t> </a:t>
+            </a:r>
+            <a:r>
+              <a:rPr sz="2000" dirty="0">
+                <a:solidFill>
+                  <a:srgbClr val="404040"/>
+                </a:solidFill>
+                <a:latin typeface="Calibri"/>
+                <a:cs typeface="Calibri"/>
+              </a:rPr>
+              <a:t>having</a:t>
+            </a:r>
+            <a:r>
+              <a:rPr sz="2000" spc="-25" dirty="0">
+                <a:solidFill>
+                  <a:srgbClr val="404040"/>
+                </a:solidFill>
+                <a:latin typeface="Calibri"/>
+                <a:cs typeface="Calibri"/>
+              </a:rPr>
+              <a:t> </a:t>
+            </a:r>
+            <a:r>
+              <a:rPr sz="2000" spc="-10" dirty="0">
+                <a:solidFill>
+                  <a:srgbClr val="404040"/>
+                </a:solidFill>
+                <a:latin typeface="Calibri"/>
+                <a:cs typeface="Calibri"/>
+              </a:rPr>
+              <a:t>patterns</a:t>
+            </a:r>
+            <a:r>
+              <a:rPr sz="2000" spc="-25" dirty="0">
+                <a:solidFill>
+                  <a:srgbClr val="404040"/>
+                </a:solidFill>
+                <a:latin typeface="Calibri"/>
+                <a:cs typeface="Calibri"/>
+              </a:rPr>
+              <a:t> </a:t>
+            </a:r>
+            <a:r>
+              <a:rPr sz="2000" dirty="0">
+                <a:solidFill>
+                  <a:srgbClr val="404040"/>
+                </a:solidFill>
+                <a:latin typeface="Calibri"/>
+                <a:cs typeface="Calibri"/>
+              </a:rPr>
+              <a:t>=</a:t>
+            </a:r>
+            <a:r>
+              <a:rPr sz="2000" spc="-20" dirty="0">
+                <a:solidFill>
+                  <a:srgbClr val="404040"/>
+                </a:solidFill>
+                <a:latin typeface="Calibri"/>
+                <a:cs typeface="Calibri"/>
+              </a:rPr>
+              <a:t> </a:t>
+            </a:r>
+            <a:r>
+              <a:rPr sz="2000" dirty="0">
+                <a:solidFill>
+                  <a:srgbClr val="404040"/>
+                </a:solidFill>
+                <a:latin typeface="Calibri"/>
+                <a:cs typeface="Calibri"/>
+              </a:rPr>
+              <a:t>{</a:t>
+            </a:r>
+            <a:r>
+              <a:rPr sz="2000" dirty="0">
+                <a:solidFill>
+                  <a:srgbClr val="404040"/>
+                </a:solidFill>
+                <a:latin typeface="Cambria Math"/>
+                <a:cs typeface="Cambria Math"/>
+              </a:rPr>
+              <a:t>𝑎</a:t>
+            </a:r>
+            <a:r>
+              <a:rPr sz="1950" baseline="25641" dirty="0">
+                <a:solidFill>
+                  <a:srgbClr val="404040"/>
+                </a:solidFill>
+                <a:latin typeface="Calibri"/>
+                <a:cs typeface="Calibri"/>
+              </a:rPr>
+              <a:t>n</a:t>
+            </a:r>
+            <a:r>
+              <a:rPr sz="2000" dirty="0">
+                <a:solidFill>
+                  <a:srgbClr val="404040"/>
+                </a:solidFill>
+                <a:latin typeface="Cambria Math"/>
+                <a:cs typeface="Cambria Math"/>
+              </a:rPr>
+              <a:t>𝑏</a:t>
+            </a:r>
+            <a:r>
+              <a:rPr sz="1950" baseline="25641" dirty="0">
+                <a:solidFill>
+                  <a:srgbClr val="404040"/>
+                </a:solidFill>
+                <a:latin typeface="Cambria Math"/>
+                <a:cs typeface="Cambria Math"/>
+              </a:rPr>
+              <a:t>𝑚</a:t>
+            </a:r>
+            <a:r>
+              <a:rPr sz="2000" dirty="0">
+                <a:solidFill>
+                  <a:srgbClr val="404040"/>
+                </a:solidFill>
+                <a:latin typeface="Cambria Math"/>
+                <a:cs typeface="Cambria Math"/>
+              </a:rPr>
+              <a:t>𝑐</a:t>
+            </a:r>
+            <a:r>
+              <a:rPr sz="1950" baseline="25641" dirty="0">
+                <a:solidFill>
+                  <a:srgbClr val="404040"/>
+                </a:solidFill>
+                <a:latin typeface="Cambria Math"/>
+                <a:cs typeface="Cambria Math"/>
+              </a:rPr>
+              <a:t>𝑙</a:t>
+            </a:r>
+            <a:r>
+              <a:rPr sz="1950" spc="209" baseline="25641" dirty="0">
+                <a:solidFill>
+                  <a:srgbClr val="404040"/>
+                </a:solidFill>
+                <a:latin typeface="Cambria Math"/>
+                <a:cs typeface="Cambria Math"/>
+              </a:rPr>
+              <a:t> </a:t>
+            </a:r>
+            <a:r>
+              <a:rPr sz="2000" dirty="0">
+                <a:solidFill>
+                  <a:srgbClr val="404040"/>
+                </a:solidFill>
+                <a:latin typeface="Calibri"/>
+                <a:cs typeface="Calibri"/>
+              </a:rPr>
+              <a:t>|</a:t>
+            </a:r>
+            <a:r>
+              <a:rPr sz="2000" spc="-40" dirty="0">
+                <a:solidFill>
+                  <a:srgbClr val="404040"/>
+                </a:solidFill>
+                <a:latin typeface="Calibri"/>
+                <a:cs typeface="Calibri"/>
+              </a:rPr>
+              <a:t> </a:t>
+            </a:r>
+            <a:r>
+              <a:rPr sz="2000" dirty="0">
+                <a:solidFill>
+                  <a:srgbClr val="404040"/>
+                </a:solidFill>
+                <a:latin typeface="Calibri"/>
+                <a:cs typeface="Calibri"/>
+              </a:rPr>
+              <a:t>n,m,l</a:t>
+            </a:r>
+            <a:r>
+              <a:rPr sz="2000" spc="-40" dirty="0">
+                <a:solidFill>
+                  <a:srgbClr val="404040"/>
+                </a:solidFill>
+                <a:latin typeface="Calibri"/>
+                <a:cs typeface="Calibri"/>
+              </a:rPr>
+              <a:t> </a:t>
+            </a:r>
+            <a:r>
+              <a:rPr sz="2000" dirty="0">
+                <a:solidFill>
+                  <a:srgbClr val="404040"/>
+                </a:solidFill>
+                <a:latin typeface="Calibri"/>
+                <a:cs typeface="Calibri"/>
+              </a:rPr>
+              <a:t>&gt;=</a:t>
+            </a:r>
+            <a:r>
+              <a:rPr sz="2000" spc="-10" dirty="0">
+                <a:solidFill>
+                  <a:srgbClr val="404040"/>
+                </a:solidFill>
+                <a:latin typeface="Calibri"/>
+                <a:cs typeface="Calibri"/>
+              </a:rPr>
+              <a:t> </a:t>
+            </a:r>
+            <a:r>
+              <a:rPr sz="2000" dirty="0">
+                <a:solidFill>
+                  <a:srgbClr val="404040"/>
+                </a:solidFill>
+                <a:latin typeface="Calibri"/>
+                <a:cs typeface="Calibri"/>
+              </a:rPr>
+              <a:t>0</a:t>
+            </a:r>
+            <a:r>
+              <a:rPr sz="2000" spc="-40" dirty="0">
+                <a:solidFill>
+                  <a:srgbClr val="404040"/>
+                </a:solidFill>
+                <a:latin typeface="Calibri"/>
+                <a:cs typeface="Calibri"/>
+              </a:rPr>
+              <a:t> </a:t>
+            </a:r>
+            <a:r>
+              <a:rPr sz="2000" spc="-50" dirty="0">
+                <a:solidFill>
+                  <a:srgbClr val="404040"/>
+                </a:solidFill>
+                <a:latin typeface="Calibri"/>
+                <a:cs typeface="Calibri"/>
+              </a:rPr>
+              <a:t>}</a:t>
+            </a:r>
+            <a:endParaRPr sz="2000" dirty="0">
+              <a:latin typeface="Calibri"/>
+              <a:cs typeface="Calibri"/>
+            </a:endParaRPr>
+          </a:p>
+        </p:txBody>
+      </p:sp>
+      <p:sp>
+        <p:nvSpPr>
+          <p:cNvPr id="5" name="object 5"/>
+          <p:cNvSpPr txBox="1">
+            <a:spLocks noGrp="1"/>
+          </p:cNvSpPr>
+          <p:nvPr>
+            <p:ph type="sldNum" sz="quarter" idx="7"/>
+          </p:nvPr>
+        </p:nvSpPr>
+        <p:spPr>
+          <a:prstGeom prst="rect">
+            <a:avLst/>
+          </a:prstGeom>
+        </p:spPr>
+        <p:txBody>
+          <a:bodyPr vert="horz" wrap="square" lIns="0" tIns="0" rIns="0" bIns="0" rtlCol="0">
+            <a:spAutoFit/>
+          </a:bodyPr>
+          <a:lstStyle/>
+          <a:p>
+            <a:pPr marL="12700">
+              <a:lnSpc>
+                <a:spcPts val="1100"/>
+              </a:lnSpc>
+            </a:pPr>
+            <a:fld id="{81D60167-4931-47E6-BA6A-407CBD079E47}" type="slidenum">
+              <a:rPr spc="-25" dirty="0"/>
+              <a:t>52</a:t>
+            </a:fld>
+            <a:endParaRPr spc="-25" dirty="0"/>
+          </a:p>
+        </p:txBody>
+      </p:sp>
+      <p:sp>
+        <p:nvSpPr>
+          <p:cNvPr id="6" name="object 5">
+            <a:extLst>
+              <a:ext uri="{FF2B5EF4-FFF2-40B4-BE49-F238E27FC236}">
+                <a16:creationId xmlns:a16="http://schemas.microsoft.com/office/drawing/2014/main" id="{F430EA1C-60F3-27BA-CB02-26413C4C9714}"/>
+              </a:ext>
+            </a:extLst>
+          </p:cNvPr>
+          <p:cNvSpPr txBox="1">
+            <a:spLocks/>
+          </p:cNvSpPr>
+          <p:nvPr/>
+        </p:nvSpPr>
+        <p:spPr>
+          <a:xfrm>
+            <a:off x="4306825" y="6477000"/>
+            <a:ext cx="3236975" cy="319062"/>
+          </a:xfrm>
+          <a:prstGeom prst="rect">
+            <a:avLst/>
+          </a:prstGeom>
+        </p:spPr>
+        <p:txBody>
+          <a:bodyPr vert="horz" wrap="square" lIns="0" tIns="0" rIns="0" bIns="0" rtlCol="0">
+            <a:spAutoFit/>
+          </a:bodyPr>
+          <a:lstStyle>
+            <a:defPPr marR="0" lvl="0" algn="l" rtl="0">
+              <a:lnSpc>
+                <a:spcPct val="100000"/>
+              </a:lnSpc>
+              <a:spcBef>
+                <a:spcPts val="0"/>
+              </a:spcBef>
+              <a:spcAft>
+                <a:spcPts val="0"/>
+              </a:spcAft>
+            </a:defPPr>
+            <a:lvl1pPr marR="0" lvl="0" algn="l" rtl="0">
+              <a:lnSpc>
+                <a:spcPct val="100000"/>
+              </a:lnSpc>
+              <a:spcBef>
+                <a:spcPts val="0"/>
+              </a:spcBef>
+              <a:spcAft>
+                <a:spcPts val="0"/>
+              </a:spcAft>
+              <a:buClr>
+                <a:srgbClr val="000000"/>
+              </a:buClr>
+              <a:buFont typeface="Arial"/>
+              <a:defRPr sz="1400" b="0" i="0" u="none" strike="noStrike" cap="none">
+                <a:solidFill>
+                  <a:srgbClr val="000000"/>
+                </a:solidFill>
+                <a:latin typeface="Arial"/>
+                <a:ea typeface="Arial"/>
+                <a:cs typeface="Arial"/>
+                <a:sym typeface="Arial"/>
+              </a:defRPr>
+            </a:lvl1pPr>
+            <a:lvl2pPr marR="0" lvl="1" algn="l" rtl="0">
+              <a:lnSpc>
+                <a:spcPct val="100000"/>
+              </a:lnSpc>
+              <a:spcBef>
+                <a:spcPts val="0"/>
+              </a:spcBef>
+              <a:spcAft>
+                <a:spcPts val="0"/>
+              </a:spcAft>
+              <a:buClr>
+                <a:srgbClr val="000000"/>
+              </a:buClr>
+              <a:buFont typeface="Arial"/>
+              <a:defRPr sz="1400" b="0" i="0" u="none" strike="noStrike" cap="none">
+                <a:solidFill>
+                  <a:srgbClr val="000000"/>
+                </a:solidFill>
+                <a:latin typeface="Arial"/>
+                <a:ea typeface="Arial"/>
+                <a:cs typeface="Arial"/>
+                <a:sym typeface="Arial"/>
+              </a:defRPr>
+            </a:lvl2pPr>
+            <a:lvl3pPr marR="0" lvl="2" algn="l" rtl="0">
+              <a:lnSpc>
+                <a:spcPct val="100000"/>
+              </a:lnSpc>
+              <a:spcBef>
+                <a:spcPts val="0"/>
+              </a:spcBef>
+              <a:spcAft>
+                <a:spcPts val="0"/>
+              </a:spcAft>
+              <a:buClr>
+                <a:srgbClr val="000000"/>
+              </a:buClr>
+              <a:buFont typeface="Arial"/>
+              <a:defRPr sz="1400" b="0" i="0" u="none" strike="noStrike" cap="none">
+                <a:solidFill>
+                  <a:srgbClr val="000000"/>
+                </a:solidFill>
+                <a:latin typeface="Arial"/>
+                <a:ea typeface="Arial"/>
+                <a:cs typeface="Arial"/>
+                <a:sym typeface="Arial"/>
+              </a:defRPr>
+            </a:lvl3pPr>
+            <a:lvl4pPr marR="0" lvl="3" algn="l" rtl="0">
+              <a:lnSpc>
+                <a:spcPct val="100000"/>
+              </a:lnSpc>
+              <a:spcBef>
+                <a:spcPts val="0"/>
+              </a:spcBef>
+              <a:spcAft>
+                <a:spcPts val="0"/>
+              </a:spcAft>
+              <a:buClr>
+                <a:srgbClr val="000000"/>
+              </a:buClr>
+              <a:buFont typeface="Arial"/>
+              <a:defRPr sz="1400" b="0" i="0" u="none" strike="noStrike" cap="none">
+                <a:solidFill>
+                  <a:srgbClr val="000000"/>
+                </a:solidFill>
+                <a:latin typeface="Arial"/>
+                <a:ea typeface="Arial"/>
+                <a:cs typeface="Arial"/>
+                <a:sym typeface="Arial"/>
+              </a:defRPr>
+            </a:lvl4pPr>
+            <a:lvl5pPr marR="0" lvl="4" algn="l" rtl="0">
+              <a:lnSpc>
+                <a:spcPct val="100000"/>
+              </a:lnSpc>
+              <a:spcBef>
+                <a:spcPts val="0"/>
+              </a:spcBef>
+              <a:spcAft>
+                <a:spcPts val="0"/>
+              </a:spcAft>
+              <a:buClr>
+                <a:srgbClr val="000000"/>
+              </a:buClr>
+              <a:buFont typeface="Arial"/>
+              <a:defRPr sz="1400" b="0" i="0" u="none" strike="noStrike" cap="none">
+                <a:solidFill>
+                  <a:srgbClr val="000000"/>
+                </a:solidFill>
+                <a:latin typeface="Arial"/>
+                <a:ea typeface="Arial"/>
+                <a:cs typeface="Arial"/>
+                <a:sym typeface="Arial"/>
+              </a:defRPr>
+            </a:lvl5pPr>
+            <a:lvl6pPr marR="0" lvl="5" algn="l" rtl="0">
+              <a:lnSpc>
+                <a:spcPct val="100000"/>
+              </a:lnSpc>
+              <a:spcBef>
+                <a:spcPts val="0"/>
+              </a:spcBef>
+              <a:spcAft>
+                <a:spcPts val="0"/>
+              </a:spcAft>
+              <a:buClr>
+                <a:srgbClr val="000000"/>
+              </a:buClr>
+              <a:buFont typeface="Arial"/>
+              <a:defRPr sz="1400" b="0" i="0" u="none" strike="noStrike" cap="none">
+                <a:solidFill>
+                  <a:srgbClr val="000000"/>
+                </a:solidFill>
+                <a:latin typeface="Arial"/>
+                <a:ea typeface="Arial"/>
+                <a:cs typeface="Arial"/>
+                <a:sym typeface="Arial"/>
+              </a:defRPr>
+            </a:lvl6pPr>
+            <a:lvl7pPr marR="0" lvl="6" algn="l" rtl="0">
+              <a:lnSpc>
+                <a:spcPct val="100000"/>
+              </a:lnSpc>
+              <a:spcBef>
+                <a:spcPts val="0"/>
+              </a:spcBef>
+              <a:spcAft>
+                <a:spcPts val="0"/>
+              </a:spcAft>
+              <a:buClr>
+                <a:srgbClr val="000000"/>
+              </a:buClr>
+              <a:buFont typeface="Arial"/>
+              <a:defRPr sz="1400" b="0" i="0" u="none" strike="noStrike" cap="none">
+                <a:solidFill>
+                  <a:srgbClr val="000000"/>
+                </a:solidFill>
+                <a:latin typeface="Arial"/>
+                <a:ea typeface="Arial"/>
+                <a:cs typeface="Arial"/>
+                <a:sym typeface="Arial"/>
+              </a:defRPr>
+            </a:lvl7pPr>
+            <a:lvl8pPr marR="0" lvl="7" algn="l" rtl="0">
+              <a:lnSpc>
+                <a:spcPct val="100000"/>
+              </a:lnSpc>
+              <a:spcBef>
+                <a:spcPts val="0"/>
+              </a:spcBef>
+              <a:spcAft>
+                <a:spcPts val="0"/>
+              </a:spcAft>
+              <a:buClr>
+                <a:srgbClr val="000000"/>
+              </a:buClr>
+              <a:buFont typeface="Arial"/>
+              <a:defRPr sz="1400" b="0" i="0" u="none" strike="noStrike" cap="none">
+                <a:solidFill>
+                  <a:srgbClr val="000000"/>
+                </a:solidFill>
+                <a:latin typeface="Arial"/>
+                <a:ea typeface="Arial"/>
+                <a:cs typeface="Arial"/>
+                <a:sym typeface="Arial"/>
+              </a:defRPr>
+            </a:lvl8pPr>
+            <a:lvl9pPr marR="0" lvl="8" algn="l" rtl="0">
+              <a:lnSpc>
+                <a:spcPct val="100000"/>
+              </a:lnSpc>
+              <a:spcBef>
+                <a:spcPts val="0"/>
+              </a:spcBef>
+              <a:spcAft>
+                <a:spcPts val="0"/>
+              </a:spcAft>
+              <a:buClr>
+                <a:srgbClr val="000000"/>
+              </a:buClr>
+              <a:buFont typeface="Arial"/>
+              <a:defRPr sz="1400" b="0" i="0" u="none" strike="noStrike" cap="none">
+                <a:solidFill>
+                  <a:srgbClr val="000000"/>
+                </a:solidFill>
+                <a:latin typeface="Arial"/>
+                <a:ea typeface="Arial"/>
+                <a:cs typeface="Arial"/>
+                <a:sym typeface="Arial"/>
+              </a:defRPr>
+            </a:lvl9pPr>
+          </a:lstStyle>
+          <a:p>
+            <a:pPr algn="ctr">
+              <a:lnSpc>
+                <a:spcPts val="1240"/>
+              </a:lnSpc>
+            </a:pPr>
+            <a:r>
+              <a:rPr lang="en-GB" dirty="0">
+                <a:solidFill>
+                  <a:schemeClr val="tx1"/>
+                </a:solidFill>
+                <a:latin typeface="Aptos Display" panose="020B0004020202020204" pitchFamily="34" charset="0"/>
+              </a:rPr>
+              <a:t>Lecturer Saifur Rahman,</a:t>
+            </a:r>
+            <a:r>
+              <a:rPr lang="en-GB" spc="-30" dirty="0">
+                <a:solidFill>
+                  <a:schemeClr val="tx1"/>
+                </a:solidFill>
+                <a:latin typeface="Aptos Display" panose="020B0004020202020204" pitchFamily="34" charset="0"/>
+              </a:rPr>
+              <a:t> </a:t>
+            </a:r>
+            <a:r>
+              <a:rPr lang="en-GB" dirty="0">
+                <a:solidFill>
+                  <a:schemeClr val="tx1"/>
+                </a:solidFill>
+                <a:latin typeface="Aptos Display" panose="020B0004020202020204" pitchFamily="34" charset="0"/>
+              </a:rPr>
+              <a:t>Dept.</a:t>
+            </a:r>
+            <a:r>
+              <a:rPr lang="en-GB" spc="-50" dirty="0">
+                <a:solidFill>
+                  <a:schemeClr val="tx1"/>
+                </a:solidFill>
+                <a:latin typeface="Aptos Display" panose="020B0004020202020204" pitchFamily="34" charset="0"/>
+              </a:rPr>
+              <a:t> </a:t>
+            </a:r>
+            <a:r>
+              <a:rPr lang="en-GB" dirty="0">
+                <a:solidFill>
+                  <a:schemeClr val="tx1"/>
+                </a:solidFill>
+                <a:latin typeface="Aptos Display" panose="020B0004020202020204" pitchFamily="34" charset="0"/>
+              </a:rPr>
+              <a:t>of</a:t>
+            </a:r>
+            <a:r>
+              <a:rPr lang="en-GB" spc="-20" dirty="0">
+                <a:solidFill>
+                  <a:schemeClr val="tx1"/>
+                </a:solidFill>
+                <a:latin typeface="Aptos Display" panose="020B0004020202020204" pitchFamily="34" charset="0"/>
+              </a:rPr>
+              <a:t> </a:t>
+            </a:r>
+            <a:r>
+              <a:rPr lang="en-GB" dirty="0">
+                <a:solidFill>
+                  <a:schemeClr val="tx1"/>
+                </a:solidFill>
+                <a:latin typeface="Aptos Display" panose="020B0004020202020204" pitchFamily="34" charset="0"/>
+              </a:rPr>
+              <a:t>CSE,</a:t>
+            </a:r>
+            <a:r>
+              <a:rPr lang="en-GB" spc="-15" dirty="0">
+                <a:solidFill>
+                  <a:schemeClr val="tx1"/>
+                </a:solidFill>
+                <a:latin typeface="Aptos Display" panose="020B0004020202020204" pitchFamily="34" charset="0"/>
+              </a:rPr>
+              <a:t> </a:t>
+            </a:r>
+            <a:r>
+              <a:rPr lang="en-GB" spc="-10" dirty="0">
+                <a:solidFill>
+                  <a:schemeClr val="tx1"/>
+                </a:solidFill>
+                <a:latin typeface="Aptos Display" panose="020B0004020202020204" pitchFamily="34" charset="0"/>
+              </a:rPr>
+              <a:t>United International</a:t>
+            </a:r>
+            <a:r>
+              <a:rPr lang="en-GB" spc="15" dirty="0">
+                <a:solidFill>
+                  <a:schemeClr val="tx1"/>
+                </a:solidFill>
+                <a:latin typeface="Aptos Display" panose="020B0004020202020204" pitchFamily="34" charset="0"/>
+              </a:rPr>
+              <a:t> </a:t>
+            </a:r>
+            <a:r>
+              <a:rPr lang="en-GB" spc="-10" dirty="0">
+                <a:solidFill>
+                  <a:schemeClr val="tx1"/>
+                </a:solidFill>
+                <a:latin typeface="Aptos Display" panose="020B0004020202020204" pitchFamily="34" charset="0"/>
+              </a:rPr>
+              <a:t>University</a:t>
+            </a:r>
+          </a:p>
+        </p:txBody>
+      </p:sp>
+    </p:spTree>
+  </p:cSld>
+  <p:clrMapOvr>
+    <a:masterClrMapping/>
+  </p:clrMapOvr>
+</p:sld>
+</file>
+
+<file path=ppt/slides/slide53.xml><?xml version="1.0" encoding="utf-8"?>
+<p:sld xmlns:a="http://schemas.openxmlformats.org/drawingml/2006/main" xmlns:r="http://schemas.openxmlformats.org/officeDocument/2006/relationships" xmlns:p="http://schemas.openxmlformats.org/presentationml/2006/main">
+  <p:cSld>
+    <p:spTree>
+      <p:nvGrpSpPr>
+        <p:cNvPr id="1" name="">
+          <a:extLst>
+            <a:ext uri="{FF2B5EF4-FFF2-40B4-BE49-F238E27FC236}">
+              <a16:creationId xmlns:a16="http://schemas.microsoft.com/office/drawing/2014/main" id="{A8BDCA6F-B5D8-2DE9-63F1-4F26914C87A4}"/>
+            </a:ext>
+          </a:extLst>
+        </p:cNvPr>
+        <p:cNvGrpSpPr/>
+        <p:nvPr/>
+      </p:nvGrpSpPr>
+      <p:grpSpPr>
+        <a:xfrm>
+          <a:off x="0" y="0"/>
+          <a:ext cx="0" cy="0"/>
+          <a:chOff x="0" y="0"/>
+          <a:chExt cx="0" cy="0"/>
+        </a:xfrm>
+      </p:grpSpPr>
+      <p:sp>
+        <p:nvSpPr>
+          <p:cNvPr id="2" name="object 2">
+            <a:extLst>
+              <a:ext uri="{FF2B5EF4-FFF2-40B4-BE49-F238E27FC236}">
+                <a16:creationId xmlns:a16="http://schemas.microsoft.com/office/drawing/2014/main" id="{AE6643E6-69C2-3179-4354-C560D5FB6E83}"/>
+              </a:ext>
+            </a:extLst>
+          </p:cNvPr>
+          <p:cNvSpPr txBox="1">
+            <a:spLocks noGrp="1"/>
+          </p:cNvSpPr>
+          <p:nvPr>
+            <p:ph type="ctrTitle"/>
+          </p:nvPr>
+        </p:nvSpPr>
+        <p:spPr>
+          <a:prstGeom prst="rect">
+            <a:avLst/>
+          </a:prstGeom>
+        </p:spPr>
+        <p:txBody>
+          <a:bodyPr vert="horz" wrap="square" lIns="0" tIns="12700" rIns="0" bIns="0" rtlCol="0">
+            <a:spAutoFit/>
+          </a:bodyPr>
+          <a:lstStyle/>
+          <a:p>
+            <a:pPr marL="12700">
+              <a:lnSpc>
+                <a:spcPct val="100000"/>
+              </a:lnSpc>
+              <a:spcBef>
+                <a:spcPts val="100"/>
+              </a:spcBef>
+            </a:pPr>
+            <a:r>
+              <a:rPr spc="-45" dirty="0"/>
+              <a:t>Machine,</a:t>
+            </a:r>
+            <a:r>
+              <a:rPr spc="-215" dirty="0"/>
+              <a:t> </a:t>
+            </a:r>
+            <a:r>
+              <a:rPr spc="-25" dirty="0">
+                <a:latin typeface="Cambria Math"/>
+                <a:cs typeface="Cambria Math"/>
+              </a:rPr>
+              <a:t>𝐸</a:t>
+            </a:r>
+            <a:r>
+              <a:rPr spc="-25" dirty="0"/>
+              <a:t>2</a:t>
+            </a:r>
+            <a:r>
+              <a:rPr lang="en-US" spc="-25" dirty="0"/>
+              <a:t>7</a:t>
+            </a:r>
+            <a:endParaRPr spc="-25" dirty="0"/>
+          </a:p>
+        </p:txBody>
+      </p:sp>
+      <p:sp>
+        <p:nvSpPr>
+          <p:cNvPr id="3" name="object 3">
+            <a:extLst>
+              <a:ext uri="{FF2B5EF4-FFF2-40B4-BE49-F238E27FC236}">
+                <a16:creationId xmlns:a16="http://schemas.microsoft.com/office/drawing/2014/main" id="{F47A3160-FEA0-663B-2033-58FA91A5BCD5}"/>
+              </a:ext>
+            </a:extLst>
+          </p:cNvPr>
+          <p:cNvSpPr txBox="1"/>
+          <p:nvPr/>
+        </p:nvSpPr>
+        <p:spPr>
+          <a:xfrm>
+            <a:off x="1150924" y="1833499"/>
+            <a:ext cx="9196070" cy="330835"/>
+          </a:xfrm>
+          <a:prstGeom prst="rect">
+            <a:avLst/>
+          </a:prstGeom>
+        </p:spPr>
+        <p:txBody>
+          <a:bodyPr vert="horz" wrap="square" lIns="0" tIns="13335" rIns="0" bIns="0" rtlCol="0">
+            <a:spAutoFit/>
+          </a:bodyPr>
+          <a:lstStyle/>
+          <a:p>
+            <a:pPr marL="38100">
+              <a:lnSpc>
+                <a:spcPct val="100000"/>
+              </a:lnSpc>
+              <a:spcBef>
+                <a:spcPts val="105"/>
+              </a:spcBef>
+            </a:pPr>
+            <a:r>
+              <a:rPr sz="2000" dirty="0">
+                <a:solidFill>
+                  <a:srgbClr val="404040"/>
+                </a:solidFill>
+                <a:latin typeface="Calibri"/>
+                <a:cs typeface="Calibri"/>
+              </a:rPr>
+              <a:t>Give</a:t>
+            </a:r>
+            <a:r>
+              <a:rPr sz="2000" spc="-15" dirty="0">
+                <a:solidFill>
+                  <a:srgbClr val="404040"/>
+                </a:solidFill>
+                <a:latin typeface="Calibri"/>
+                <a:cs typeface="Calibri"/>
+              </a:rPr>
+              <a:t> </a:t>
+            </a:r>
+            <a:r>
+              <a:rPr sz="2000" dirty="0">
+                <a:solidFill>
+                  <a:srgbClr val="404040"/>
+                </a:solidFill>
+                <a:latin typeface="Calibri"/>
+                <a:cs typeface="Calibri"/>
+              </a:rPr>
+              <a:t>a</a:t>
+            </a:r>
+            <a:r>
+              <a:rPr sz="2000" spc="-25" dirty="0">
+                <a:solidFill>
+                  <a:srgbClr val="404040"/>
+                </a:solidFill>
+                <a:latin typeface="Calibri"/>
+                <a:cs typeface="Calibri"/>
+              </a:rPr>
+              <a:t> </a:t>
+            </a:r>
+            <a:r>
+              <a:rPr sz="2000" spc="-20" dirty="0">
+                <a:solidFill>
+                  <a:srgbClr val="404040"/>
+                </a:solidFill>
+                <a:latin typeface="Calibri"/>
+                <a:cs typeface="Calibri"/>
+              </a:rPr>
+              <a:t>DFA</a:t>
+            </a:r>
+            <a:r>
+              <a:rPr sz="2000" spc="-40" dirty="0">
+                <a:solidFill>
+                  <a:srgbClr val="404040"/>
+                </a:solidFill>
+                <a:latin typeface="Calibri"/>
+                <a:cs typeface="Calibri"/>
+              </a:rPr>
+              <a:t> </a:t>
+            </a:r>
+            <a:r>
+              <a:rPr sz="2000" dirty="0">
+                <a:solidFill>
+                  <a:srgbClr val="404040"/>
+                </a:solidFill>
+                <a:latin typeface="Calibri"/>
+                <a:cs typeface="Calibri"/>
+              </a:rPr>
+              <a:t>for</a:t>
+            </a:r>
+            <a:r>
+              <a:rPr sz="2000" spc="-35" dirty="0">
+                <a:solidFill>
+                  <a:srgbClr val="404040"/>
+                </a:solidFill>
+                <a:latin typeface="Calibri"/>
+                <a:cs typeface="Calibri"/>
+              </a:rPr>
+              <a:t> </a:t>
+            </a:r>
+            <a:r>
+              <a:rPr sz="2000" dirty="0">
+                <a:solidFill>
+                  <a:srgbClr val="404040"/>
+                </a:solidFill>
+                <a:latin typeface="Calibri"/>
+                <a:cs typeface="Calibri"/>
+              </a:rPr>
+              <a:t>Σ</a:t>
+            </a:r>
+            <a:r>
+              <a:rPr sz="2000" spc="-35" dirty="0">
+                <a:solidFill>
+                  <a:srgbClr val="404040"/>
+                </a:solidFill>
+                <a:latin typeface="Calibri"/>
+                <a:cs typeface="Calibri"/>
+              </a:rPr>
+              <a:t> </a:t>
+            </a:r>
+            <a:r>
+              <a:rPr sz="2000" dirty="0">
+                <a:solidFill>
+                  <a:srgbClr val="404040"/>
+                </a:solidFill>
+                <a:latin typeface="Calibri"/>
+                <a:cs typeface="Calibri"/>
+              </a:rPr>
+              <a:t>=</a:t>
+            </a:r>
+            <a:r>
+              <a:rPr sz="2000" spc="-25" dirty="0">
+                <a:solidFill>
+                  <a:srgbClr val="404040"/>
+                </a:solidFill>
+                <a:latin typeface="Calibri"/>
+                <a:cs typeface="Calibri"/>
+              </a:rPr>
+              <a:t> </a:t>
+            </a:r>
+            <a:r>
+              <a:rPr sz="2000" dirty="0">
+                <a:solidFill>
+                  <a:srgbClr val="404040"/>
+                </a:solidFill>
+                <a:latin typeface="Calibri"/>
+                <a:cs typeface="Calibri"/>
+              </a:rPr>
+              <a:t>{</a:t>
+            </a:r>
+            <a:r>
+              <a:rPr sz="2000" spc="-25" dirty="0">
+                <a:solidFill>
+                  <a:srgbClr val="404040"/>
+                </a:solidFill>
+                <a:latin typeface="Calibri"/>
+                <a:cs typeface="Calibri"/>
+              </a:rPr>
+              <a:t> </a:t>
+            </a:r>
+            <a:r>
+              <a:rPr sz="2000" dirty="0">
+                <a:solidFill>
+                  <a:srgbClr val="404040"/>
+                </a:solidFill>
+                <a:latin typeface="Calibri"/>
+                <a:cs typeface="Calibri"/>
+              </a:rPr>
+              <a:t>a,</a:t>
+            </a:r>
+            <a:r>
+              <a:rPr sz="2000" spc="-25" dirty="0">
+                <a:solidFill>
+                  <a:srgbClr val="404040"/>
+                </a:solidFill>
+                <a:latin typeface="Calibri"/>
+                <a:cs typeface="Calibri"/>
+              </a:rPr>
+              <a:t> </a:t>
+            </a:r>
+            <a:r>
+              <a:rPr sz="2000" dirty="0">
+                <a:solidFill>
+                  <a:srgbClr val="404040"/>
+                </a:solidFill>
+                <a:latin typeface="Calibri"/>
+                <a:cs typeface="Calibri"/>
+              </a:rPr>
+              <a:t>b,</a:t>
+            </a:r>
+            <a:r>
+              <a:rPr sz="2000" spc="-30" dirty="0">
+                <a:solidFill>
+                  <a:srgbClr val="404040"/>
+                </a:solidFill>
+                <a:latin typeface="Calibri"/>
+                <a:cs typeface="Calibri"/>
+              </a:rPr>
+              <a:t> </a:t>
+            </a:r>
+            <a:r>
+              <a:rPr sz="2000" dirty="0">
+                <a:solidFill>
+                  <a:srgbClr val="404040"/>
+                </a:solidFill>
+                <a:latin typeface="Calibri"/>
+                <a:cs typeface="Calibri"/>
+              </a:rPr>
+              <a:t>c</a:t>
+            </a:r>
+            <a:r>
+              <a:rPr sz="2000" spc="-25" dirty="0">
+                <a:solidFill>
+                  <a:srgbClr val="404040"/>
+                </a:solidFill>
+                <a:latin typeface="Calibri"/>
+                <a:cs typeface="Calibri"/>
+              </a:rPr>
+              <a:t> </a:t>
+            </a:r>
+            <a:r>
+              <a:rPr sz="2000" dirty="0">
+                <a:solidFill>
+                  <a:srgbClr val="404040"/>
+                </a:solidFill>
+                <a:latin typeface="Calibri"/>
+                <a:cs typeface="Calibri"/>
+              </a:rPr>
+              <a:t>}</a:t>
+            </a:r>
+            <a:r>
+              <a:rPr sz="2000" spc="-30" dirty="0">
+                <a:solidFill>
+                  <a:srgbClr val="404040"/>
+                </a:solidFill>
+                <a:latin typeface="Calibri"/>
+                <a:cs typeface="Calibri"/>
+              </a:rPr>
+              <a:t> </a:t>
+            </a:r>
+            <a:r>
+              <a:rPr sz="2000" dirty="0">
+                <a:solidFill>
+                  <a:srgbClr val="404040"/>
+                </a:solidFill>
+                <a:latin typeface="Calibri"/>
+                <a:cs typeface="Calibri"/>
+              </a:rPr>
+              <a:t>and</a:t>
+            </a:r>
+            <a:r>
+              <a:rPr sz="2000" spc="-35" dirty="0">
+                <a:solidFill>
+                  <a:srgbClr val="404040"/>
+                </a:solidFill>
+                <a:latin typeface="Calibri"/>
+                <a:cs typeface="Calibri"/>
+              </a:rPr>
+              <a:t> </a:t>
+            </a:r>
+            <a:r>
+              <a:rPr sz="2000" spc="-10" dirty="0">
+                <a:solidFill>
+                  <a:srgbClr val="404040"/>
+                </a:solidFill>
+                <a:latin typeface="Calibri"/>
+                <a:cs typeface="Calibri"/>
+              </a:rPr>
+              <a:t>recognizes</a:t>
+            </a:r>
+            <a:r>
+              <a:rPr sz="2000" spc="-40" dirty="0">
+                <a:solidFill>
+                  <a:srgbClr val="404040"/>
+                </a:solidFill>
+                <a:latin typeface="Calibri"/>
+                <a:cs typeface="Calibri"/>
+              </a:rPr>
+              <a:t> </a:t>
+            </a:r>
+            <a:r>
+              <a:rPr sz="2000" dirty="0">
+                <a:solidFill>
+                  <a:srgbClr val="404040"/>
+                </a:solidFill>
+                <a:latin typeface="Calibri"/>
+                <a:cs typeface="Calibri"/>
+              </a:rPr>
+              <a:t>strings</a:t>
+            </a:r>
+            <a:r>
+              <a:rPr sz="2000" spc="-15" dirty="0">
+                <a:solidFill>
+                  <a:srgbClr val="404040"/>
+                </a:solidFill>
+                <a:latin typeface="Calibri"/>
+                <a:cs typeface="Calibri"/>
+              </a:rPr>
+              <a:t> </a:t>
+            </a:r>
+            <a:r>
+              <a:rPr sz="2000" dirty="0">
+                <a:solidFill>
+                  <a:srgbClr val="404040"/>
+                </a:solidFill>
+                <a:latin typeface="Calibri"/>
+                <a:cs typeface="Calibri"/>
+              </a:rPr>
+              <a:t>having</a:t>
+            </a:r>
+            <a:r>
+              <a:rPr sz="2000" spc="-25" dirty="0">
+                <a:solidFill>
+                  <a:srgbClr val="404040"/>
+                </a:solidFill>
+                <a:latin typeface="Calibri"/>
+                <a:cs typeface="Calibri"/>
+              </a:rPr>
+              <a:t> </a:t>
+            </a:r>
+            <a:r>
+              <a:rPr sz="2000" spc="-10" dirty="0">
+                <a:solidFill>
+                  <a:srgbClr val="404040"/>
+                </a:solidFill>
+                <a:latin typeface="Calibri"/>
+                <a:cs typeface="Calibri"/>
+              </a:rPr>
+              <a:t>patterns</a:t>
+            </a:r>
+            <a:r>
+              <a:rPr sz="2000" spc="-25" dirty="0">
+                <a:solidFill>
+                  <a:srgbClr val="404040"/>
+                </a:solidFill>
+                <a:latin typeface="Calibri"/>
+                <a:cs typeface="Calibri"/>
+              </a:rPr>
+              <a:t> </a:t>
+            </a:r>
+            <a:r>
+              <a:rPr sz="2000" dirty="0">
+                <a:solidFill>
+                  <a:srgbClr val="404040"/>
+                </a:solidFill>
+                <a:latin typeface="Calibri"/>
+                <a:cs typeface="Calibri"/>
+              </a:rPr>
+              <a:t>=</a:t>
+            </a:r>
+            <a:r>
+              <a:rPr sz="2000" spc="-20" dirty="0">
+                <a:solidFill>
+                  <a:srgbClr val="404040"/>
+                </a:solidFill>
+                <a:latin typeface="Calibri"/>
+                <a:cs typeface="Calibri"/>
+              </a:rPr>
+              <a:t> </a:t>
+            </a:r>
+            <a:r>
+              <a:rPr sz="2000" dirty="0">
+                <a:solidFill>
+                  <a:srgbClr val="404040"/>
+                </a:solidFill>
+                <a:latin typeface="Calibri"/>
+                <a:cs typeface="Calibri"/>
+              </a:rPr>
+              <a:t>{</a:t>
+            </a:r>
+            <a:r>
+              <a:rPr sz="2000" dirty="0">
+                <a:solidFill>
+                  <a:srgbClr val="404040"/>
+                </a:solidFill>
+                <a:latin typeface="Cambria Math"/>
+                <a:cs typeface="Cambria Math"/>
+              </a:rPr>
+              <a:t>𝑎</a:t>
+            </a:r>
+            <a:r>
+              <a:rPr sz="1950" baseline="25641" dirty="0">
+                <a:solidFill>
+                  <a:srgbClr val="404040"/>
+                </a:solidFill>
+                <a:latin typeface="Calibri"/>
+                <a:cs typeface="Calibri"/>
+              </a:rPr>
+              <a:t>n</a:t>
+            </a:r>
+            <a:r>
+              <a:rPr sz="2000" dirty="0">
+                <a:solidFill>
+                  <a:srgbClr val="404040"/>
+                </a:solidFill>
+                <a:latin typeface="Cambria Math"/>
+                <a:cs typeface="Cambria Math"/>
+              </a:rPr>
+              <a:t>𝑏</a:t>
+            </a:r>
+            <a:r>
+              <a:rPr sz="1950" baseline="25641" dirty="0">
+                <a:solidFill>
+                  <a:srgbClr val="404040"/>
+                </a:solidFill>
+                <a:latin typeface="Cambria Math"/>
+                <a:cs typeface="Cambria Math"/>
+              </a:rPr>
+              <a:t>𝑚</a:t>
+            </a:r>
+            <a:r>
+              <a:rPr sz="2000" dirty="0">
+                <a:solidFill>
+                  <a:srgbClr val="404040"/>
+                </a:solidFill>
+                <a:latin typeface="Cambria Math"/>
+                <a:cs typeface="Cambria Math"/>
+              </a:rPr>
+              <a:t>𝑐</a:t>
+            </a:r>
+            <a:r>
+              <a:rPr sz="1950" baseline="25641" dirty="0">
+                <a:solidFill>
+                  <a:srgbClr val="404040"/>
+                </a:solidFill>
+                <a:latin typeface="Cambria Math"/>
+                <a:cs typeface="Cambria Math"/>
+              </a:rPr>
+              <a:t>𝑙</a:t>
+            </a:r>
+            <a:r>
+              <a:rPr sz="1950" spc="209" baseline="25641" dirty="0">
+                <a:solidFill>
+                  <a:srgbClr val="404040"/>
+                </a:solidFill>
+                <a:latin typeface="Cambria Math"/>
+                <a:cs typeface="Cambria Math"/>
+              </a:rPr>
+              <a:t> </a:t>
+            </a:r>
+            <a:r>
+              <a:rPr sz="2000" dirty="0">
+                <a:solidFill>
+                  <a:srgbClr val="404040"/>
+                </a:solidFill>
+                <a:latin typeface="Calibri"/>
+                <a:cs typeface="Calibri"/>
+              </a:rPr>
+              <a:t>|</a:t>
+            </a:r>
+            <a:r>
+              <a:rPr sz="2000" spc="-40" dirty="0">
+                <a:solidFill>
+                  <a:srgbClr val="404040"/>
+                </a:solidFill>
+                <a:latin typeface="Calibri"/>
+                <a:cs typeface="Calibri"/>
+              </a:rPr>
+              <a:t> </a:t>
+            </a:r>
+            <a:r>
+              <a:rPr sz="2000" dirty="0">
+                <a:solidFill>
+                  <a:srgbClr val="404040"/>
+                </a:solidFill>
+                <a:latin typeface="Calibri"/>
+                <a:cs typeface="Calibri"/>
+              </a:rPr>
+              <a:t>n,m,l</a:t>
+            </a:r>
+            <a:r>
+              <a:rPr sz="2000" spc="-40" dirty="0">
+                <a:solidFill>
+                  <a:srgbClr val="404040"/>
+                </a:solidFill>
+                <a:latin typeface="Calibri"/>
+                <a:cs typeface="Calibri"/>
+              </a:rPr>
+              <a:t> </a:t>
+            </a:r>
+            <a:r>
+              <a:rPr sz="2000" dirty="0">
+                <a:solidFill>
+                  <a:srgbClr val="404040"/>
+                </a:solidFill>
+                <a:latin typeface="Calibri"/>
+                <a:cs typeface="Calibri"/>
+              </a:rPr>
+              <a:t>&gt;=</a:t>
+            </a:r>
+            <a:r>
+              <a:rPr sz="2000" spc="-10" dirty="0">
+                <a:solidFill>
+                  <a:srgbClr val="404040"/>
+                </a:solidFill>
+                <a:latin typeface="Calibri"/>
+                <a:cs typeface="Calibri"/>
+              </a:rPr>
+              <a:t> </a:t>
+            </a:r>
+            <a:r>
+              <a:rPr sz="2000" dirty="0">
+                <a:solidFill>
+                  <a:srgbClr val="404040"/>
+                </a:solidFill>
+                <a:latin typeface="Calibri"/>
+                <a:cs typeface="Calibri"/>
+              </a:rPr>
+              <a:t>0</a:t>
+            </a:r>
+            <a:r>
+              <a:rPr sz="2000" spc="-40" dirty="0">
+                <a:solidFill>
+                  <a:srgbClr val="404040"/>
+                </a:solidFill>
+                <a:latin typeface="Calibri"/>
+                <a:cs typeface="Calibri"/>
+              </a:rPr>
+              <a:t> </a:t>
+            </a:r>
+            <a:r>
+              <a:rPr sz="2000" spc="-50" dirty="0">
+                <a:solidFill>
+                  <a:srgbClr val="404040"/>
+                </a:solidFill>
+                <a:latin typeface="Calibri"/>
+                <a:cs typeface="Calibri"/>
+              </a:rPr>
+              <a:t>}</a:t>
+            </a:r>
+            <a:endParaRPr sz="2000" dirty="0">
+              <a:latin typeface="Calibri"/>
+              <a:cs typeface="Calibri"/>
+            </a:endParaRPr>
+          </a:p>
+        </p:txBody>
+      </p:sp>
+      <p:pic>
+        <p:nvPicPr>
+          <p:cNvPr id="4" name="object 4">
+            <a:extLst>
+              <a:ext uri="{FF2B5EF4-FFF2-40B4-BE49-F238E27FC236}">
+                <a16:creationId xmlns:a16="http://schemas.microsoft.com/office/drawing/2014/main" id="{717B1F9A-7687-CB21-4A63-12E399D270D6}"/>
+              </a:ext>
+            </a:extLst>
+          </p:cNvPr>
+          <p:cNvPicPr/>
+          <p:nvPr/>
+        </p:nvPicPr>
+        <p:blipFill>
+          <a:blip r:embed="rId2" cstate="print"/>
+          <a:stretch>
+            <a:fillRect/>
+          </a:stretch>
+        </p:blipFill>
+        <p:spPr>
+          <a:xfrm>
+            <a:off x="4617720" y="2987039"/>
+            <a:ext cx="3139439" cy="2118360"/>
+          </a:xfrm>
+          <a:prstGeom prst="rect">
+            <a:avLst/>
+          </a:prstGeom>
+        </p:spPr>
+      </p:pic>
+      <p:sp>
+        <p:nvSpPr>
+          <p:cNvPr id="5" name="object 5">
+            <a:extLst>
+              <a:ext uri="{FF2B5EF4-FFF2-40B4-BE49-F238E27FC236}">
+                <a16:creationId xmlns:a16="http://schemas.microsoft.com/office/drawing/2014/main" id="{44C7E847-8F50-ED10-76E7-992A9733549E}"/>
+              </a:ext>
+            </a:extLst>
+          </p:cNvPr>
+          <p:cNvSpPr txBox="1">
+            <a:spLocks noGrp="1"/>
+          </p:cNvSpPr>
+          <p:nvPr>
+            <p:ph type="sldNum" sz="quarter" idx="7"/>
+          </p:nvPr>
+        </p:nvSpPr>
+        <p:spPr>
+          <a:prstGeom prst="rect">
+            <a:avLst/>
+          </a:prstGeom>
+        </p:spPr>
+        <p:txBody>
+          <a:bodyPr vert="horz" wrap="square" lIns="0" tIns="0" rIns="0" bIns="0" rtlCol="0">
+            <a:spAutoFit/>
+          </a:bodyPr>
+          <a:lstStyle/>
+          <a:p>
+            <a:pPr marL="12700">
+              <a:lnSpc>
+                <a:spcPts val="1100"/>
+              </a:lnSpc>
+            </a:pPr>
+            <a:fld id="{81D60167-4931-47E6-BA6A-407CBD079E47}" type="slidenum">
+              <a:rPr spc="-25" dirty="0"/>
+              <a:t>53</a:t>
+            </a:fld>
+            <a:endParaRPr spc="-25" dirty="0"/>
+          </a:p>
+        </p:txBody>
+      </p:sp>
+      <p:sp>
+        <p:nvSpPr>
+          <p:cNvPr id="6" name="object 5">
+            <a:extLst>
+              <a:ext uri="{FF2B5EF4-FFF2-40B4-BE49-F238E27FC236}">
+                <a16:creationId xmlns:a16="http://schemas.microsoft.com/office/drawing/2014/main" id="{4BABB2DD-4018-EB9B-A6A6-15D6916113E0}"/>
+              </a:ext>
+            </a:extLst>
+          </p:cNvPr>
+          <p:cNvSpPr txBox="1">
+            <a:spLocks/>
+          </p:cNvSpPr>
+          <p:nvPr/>
+        </p:nvSpPr>
+        <p:spPr>
+          <a:xfrm>
+            <a:off x="4306825" y="6477000"/>
+            <a:ext cx="3236975" cy="319062"/>
+          </a:xfrm>
+          <a:prstGeom prst="rect">
+            <a:avLst/>
+          </a:prstGeom>
+        </p:spPr>
+        <p:txBody>
+          <a:bodyPr vert="horz" wrap="square" lIns="0" tIns="0" rIns="0" bIns="0" rtlCol="0">
+            <a:spAutoFit/>
+          </a:bodyPr>
+          <a:lstStyle>
+            <a:defPPr marR="0" lvl="0" algn="l" rtl="0">
+              <a:lnSpc>
+                <a:spcPct val="100000"/>
+              </a:lnSpc>
+              <a:spcBef>
+                <a:spcPts val="0"/>
+              </a:spcBef>
+              <a:spcAft>
+                <a:spcPts val="0"/>
+              </a:spcAft>
+            </a:defPPr>
+            <a:lvl1pPr marR="0" lvl="0" algn="l" rtl="0">
+              <a:lnSpc>
+                <a:spcPct val="100000"/>
+              </a:lnSpc>
+              <a:spcBef>
+                <a:spcPts val="0"/>
+              </a:spcBef>
+              <a:spcAft>
+                <a:spcPts val="0"/>
+              </a:spcAft>
+              <a:buClr>
+                <a:srgbClr val="000000"/>
+              </a:buClr>
+              <a:buFont typeface="Arial"/>
+              <a:defRPr sz="1400" b="0" i="0" u="none" strike="noStrike" cap="none">
+                <a:solidFill>
+                  <a:srgbClr val="000000"/>
+                </a:solidFill>
+                <a:latin typeface="Arial"/>
+                <a:ea typeface="Arial"/>
+                <a:cs typeface="Arial"/>
+                <a:sym typeface="Arial"/>
+              </a:defRPr>
+            </a:lvl1pPr>
+            <a:lvl2pPr marR="0" lvl="1" algn="l" rtl="0">
+              <a:lnSpc>
+                <a:spcPct val="100000"/>
+              </a:lnSpc>
+              <a:spcBef>
+                <a:spcPts val="0"/>
+              </a:spcBef>
+              <a:spcAft>
+                <a:spcPts val="0"/>
+              </a:spcAft>
+              <a:buClr>
+                <a:srgbClr val="000000"/>
+              </a:buClr>
+              <a:buFont typeface="Arial"/>
+              <a:defRPr sz="1400" b="0" i="0" u="none" strike="noStrike" cap="none">
+                <a:solidFill>
+                  <a:srgbClr val="000000"/>
+                </a:solidFill>
+                <a:latin typeface="Arial"/>
+                <a:ea typeface="Arial"/>
+                <a:cs typeface="Arial"/>
+                <a:sym typeface="Arial"/>
+              </a:defRPr>
+            </a:lvl2pPr>
+            <a:lvl3pPr marR="0" lvl="2" algn="l" rtl="0">
+              <a:lnSpc>
+                <a:spcPct val="100000"/>
+              </a:lnSpc>
+              <a:spcBef>
+                <a:spcPts val="0"/>
+              </a:spcBef>
+              <a:spcAft>
+                <a:spcPts val="0"/>
+              </a:spcAft>
+              <a:buClr>
+                <a:srgbClr val="000000"/>
+              </a:buClr>
+              <a:buFont typeface="Arial"/>
+              <a:defRPr sz="1400" b="0" i="0" u="none" strike="noStrike" cap="none">
+                <a:solidFill>
+                  <a:srgbClr val="000000"/>
+                </a:solidFill>
+                <a:latin typeface="Arial"/>
+                <a:ea typeface="Arial"/>
+                <a:cs typeface="Arial"/>
+                <a:sym typeface="Arial"/>
+              </a:defRPr>
+            </a:lvl3pPr>
+            <a:lvl4pPr marR="0" lvl="3" algn="l" rtl="0">
+              <a:lnSpc>
+                <a:spcPct val="100000"/>
+              </a:lnSpc>
+              <a:spcBef>
+                <a:spcPts val="0"/>
+              </a:spcBef>
+              <a:spcAft>
+                <a:spcPts val="0"/>
+              </a:spcAft>
+              <a:buClr>
+                <a:srgbClr val="000000"/>
+              </a:buClr>
+              <a:buFont typeface="Arial"/>
+              <a:defRPr sz="1400" b="0" i="0" u="none" strike="noStrike" cap="none">
+                <a:solidFill>
+                  <a:srgbClr val="000000"/>
+                </a:solidFill>
+                <a:latin typeface="Arial"/>
+                <a:ea typeface="Arial"/>
+                <a:cs typeface="Arial"/>
+                <a:sym typeface="Arial"/>
+              </a:defRPr>
+            </a:lvl4pPr>
+            <a:lvl5pPr marR="0" lvl="4" algn="l" rtl="0">
+              <a:lnSpc>
+                <a:spcPct val="100000"/>
+              </a:lnSpc>
+              <a:spcBef>
+                <a:spcPts val="0"/>
+              </a:spcBef>
+              <a:spcAft>
+                <a:spcPts val="0"/>
+              </a:spcAft>
+              <a:buClr>
+                <a:srgbClr val="000000"/>
+              </a:buClr>
+              <a:buFont typeface="Arial"/>
+              <a:defRPr sz="1400" b="0" i="0" u="none" strike="noStrike" cap="none">
+                <a:solidFill>
+                  <a:srgbClr val="000000"/>
+                </a:solidFill>
+                <a:latin typeface="Arial"/>
+                <a:ea typeface="Arial"/>
+                <a:cs typeface="Arial"/>
+                <a:sym typeface="Arial"/>
+              </a:defRPr>
+            </a:lvl5pPr>
+            <a:lvl6pPr marR="0" lvl="5" algn="l" rtl="0">
+              <a:lnSpc>
+                <a:spcPct val="100000"/>
+              </a:lnSpc>
+              <a:spcBef>
+                <a:spcPts val="0"/>
+              </a:spcBef>
+              <a:spcAft>
+                <a:spcPts val="0"/>
+              </a:spcAft>
+              <a:buClr>
+                <a:srgbClr val="000000"/>
+              </a:buClr>
+              <a:buFont typeface="Arial"/>
+              <a:defRPr sz="1400" b="0" i="0" u="none" strike="noStrike" cap="none">
+                <a:solidFill>
+                  <a:srgbClr val="000000"/>
+                </a:solidFill>
+                <a:latin typeface="Arial"/>
+                <a:ea typeface="Arial"/>
+                <a:cs typeface="Arial"/>
+                <a:sym typeface="Arial"/>
+              </a:defRPr>
+            </a:lvl6pPr>
+            <a:lvl7pPr marR="0" lvl="6" algn="l" rtl="0">
+              <a:lnSpc>
+                <a:spcPct val="100000"/>
+              </a:lnSpc>
+              <a:spcBef>
+                <a:spcPts val="0"/>
+              </a:spcBef>
+              <a:spcAft>
+                <a:spcPts val="0"/>
+              </a:spcAft>
+              <a:buClr>
+                <a:srgbClr val="000000"/>
+              </a:buClr>
+              <a:buFont typeface="Arial"/>
+              <a:defRPr sz="1400" b="0" i="0" u="none" strike="noStrike" cap="none">
+                <a:solidFill>
+                  <a:srgbClr val="000000"/>
+                </a:solidFill>
+                <a:latin typeface="Arial"/>
+                <a:ea typeface="Arial"/>
+                <a:cs typeface="Arial"/>
+                <a:sym typeface="Arial"/>
+              </a:defRPr>
+            </a:lvl7pPr>
+            <a:lvl8pPr marR="0" lvl="7" algn="l" rtl="0">
+              <a:lnSpc>
+                <a:spcPct val="100000"/>
+              </a:lnSpc>
+              <a:spcBef>
+                <a:spcPts val="0"/>
+              </a:spcBef>
+              <a:spcAft>
+                <a:spcPts val="0"/>
+              </a:spcAft>
+              <a:buClr>
+                <a:srgbClr val="000000"/>
+              </a:buClr>
+              <a:buFont typeface="Arial"/>
+              <a:defRPr sz="1400" b="0" i="0" u="none" strike="noStrike" cap="none">
+                <a:solidFill>
+                  <a:srgbClr val="000000"/>
+                </a:solidFill>
+                <a:latin typeface="Arial"/>
+                <a:ea typeface="Arial"/>
+                <a:cs typeface="Arial"/>
+                <a:sym typeface="Arial"/>
+              </a:defRPr>
+            </a:lvl8pPr>
+            <a:lvl9pPr marR="0" lvl="8" algn="l" rtl="0">
+              <a:lnSpc>
+                <a:spcPct val="100000"/>
+              </a:lnSpc>
+              <a:spcBef>
+                <a:spcPts val="0"/>
+              </a:spcBef>
+              <a:spcAft>
+                <a:spcPts val="0"/>
+              </a:spcAft>
+              <a:buClr>
+                <a:srgbClr val="000000"/>
+              </a:buClr>
+              <a:buFont typeface="Arial"/>
+              <a:defRPr sz="1400" b="0" i="0" u="none" strike="noStrike" cap="none">
+                <a:solidFill>
+                  <a:srgbClr val="000000"/>
+                </a:solidFill>
+                <a:latin typeface="Arial"/>
+                <a:ea typeface="Arial"/>
+                <a:cs typeface="Arial"/>
+                <a:sym typeface="Arial"/>
+              </a:defRPr>
+            </a:lvl9pPr>
+          </a:lstStyle>
+          <a:p>
+            <a:pPr algn="ctr">
+              <a:lnSpc>
+                <a:spcPts val="1240"/>
+              </a:lnSpc>
+            </a:pPr>
+            <a:r>
+              <a:rPr lang="en-GB" dirty="0">
+                <a:solidFill>
+                  <a:schemeClr val="tx1"/>
+                </a:solidFill>
+                <a:latin typeface="Aptos Display" panose="020B0004020202020204" pitchFamily="34" charset="0"/>
+              </a:rPr>
+              <a:t>Lecturer Saifur Rahman,</a:t>
+            </a:r>
+            <a:r>
+              <a:rPr lang="en-GB" spc="-30" dirty="0">
+                <a:solidFill>
+                  <a:schemeClr val="tx1"/>
+                </a:solidFill>
+                <a:latin typeface="Aptos Display" panose="020B0004020202020204" pitchFamily="34" charset="0"/>
+              </a:rPr>
+              <a:t> </a:t>
+            </a:r>
+            <a:r>
+              <a:rPr lang="en-GB" dirty="0">
+                <a:solidFill>
+                  <a:schemeClr val="tx1"/>
+                </a:solidFill>
+                <a:latin typeface="Aptos Display" panose="020B0004020202020204" pitchFamily="34" charset="0"/>
+              </a:rPr>
+              <a:t>Dept.</a:t>
+            </a:r>
+            <a:r>
+              <a:rPr lang="en-GB" spc="-50" dirty="0">
+                <a:solidFill>
+                  <a:schemeClr val="tx1"/>
+                </a:solidFill>
+                <a:latin typeface="Aptos Display" panose="020B0004020202020204" pitchFamily="34" charset="0"/>
+              </a:rPr>
+              <a:t> </a:t>
+            </a:r>
+            <a:r>
+              <a:rPr lang="en-GB" dirty="0">
+                <a:solidFill>
+                  <a:schemeClr val="tx1"/>
+                </a:solidFill>
+                <a:latin typeface="Aptos Display" panose="020B0004020202020204" pitchFamily="34" charset="0"/>
+              </a:rPr>
+              <a:t>of</a:t>
+            </a:r>
+            <a:r>
+              <a:rPr lang="en-GB" spc="-20" dirty="0">
+                <a:solidFill>
+                  <a:schemeClr val="tx1"/>
+                </a:solidFill>
+                <a:latin typeface="Aptos Display" panose="020B0004020202020204" pitchFamily="34" charset="0"/>
+              </a:rPr>
+              <a:t> </a:t>
+            </a:r>
+            <a:r>
+              <a:rPr lang="en-GB" dirty="0">
+                <a:solidFill>
+                  <a:schemeClr val="tx1"/>
+                </a:solidFill>
+                <a:latin typeface="Aptos Display" panose="020B0004020202020204" pitchFamily="34" charset="0"/>
+              </a:rPr>
+              <a:t>CSE,</a:t>
+            </a:r>
+            <a:r>
+              <a:rPr lang="en-GB" spc="-15" dirty="0">
+                <a:solidFill>
+                  <a:schemeClr val="tx1"/>
+                </a:solidFill>
+                <a:latin typeface="Aptos Display" panose="020B0004020202020204" pitchFamily="34" charset="0"/>
+              </a:rPr>
+              <a:t> </a:t>
+            </a:r>
+            <a:r>
+              <a:rPr lang="en-GB" spc="-10" dirty="0">
+                <a:solidFill>
+                  <a:schemeClr val="tx1"/>
+                </a:solidFill>
+                <a:latin typeface="Aptos Display" panose="020B0004020202020204" pitchFamily="34" charset="0"/>
+              </a:rPr>
+              <a:t>United International</a:t>
+            </a:r>
+            <a:r>
+              <a:rPr lang="en-GB" spc="15" dirty="0">
+                <a:solidFill>
+                  <a:schemeClr val="tx1"/>
+                </a:solidFill>
+                <a:latin typeface="Aptos Display" panose="020B0004020202020204" pitchFamily="34" charset="0"/>
+              </a:rPr>
+              <a:t> </a:t>
+            </a:r>
+            <a:r>
+              <a:rPr lang="en-GB" spc="-10" dirty="0">
+                <a:solidFill>
+                  <a:schemeClr val="tx1"/>
+                </a:solidFill>
+                <a:latin typeface="Aptos Display" panose="020B0004020202020204" pitchFamily="34" charset="0"/>
+              </a:rPr>
+              <a:t>University</a:t>
+            </a:r>
+          </a:p>
+        </p:txBody>
+      </p:sp>
+    </p:spTree>
+    <p:extLst>
+      <p:ext uri="{BB962C8B-B14F-4D97-AF65-F5344CB8AC3E}">
+        <p14:creationId xmlns:p14="http://schemas.microsoft.com/office/powerpoint/2010/main" val="3187114260"/>
+      </p:ext>
+    </p:extLst>
+  </p:cSld>
+  <p:clrMapOvr>
+    <a:masterClrMapping/>
+  </p:clrMapOvr>
+</p:sld>
+</file>
+
+<file path=ppt/slides/slide54.xml><?xml version="1.0" encoding="utf-8"?>
+<p:sld xmlns:a="http://schemas.openxmlformats.org/drawingml/2006/main" xmlns:r="http://schemas.openxmlformats.org/officeDocument/2006/relationships" xmlns:p="http://schemas.openxmlformats.org/presentationml/2006/main">
+  <p:cSld>
+    <p:spTree>
+      <p:nvGrpSpPr>
+        <p:cNvPr id="1" name=""/>
+        <p:cNvGrpSpPr/>
+        <p:nvPr/>
+      </p:nvGrpSpPr>
+      <p:grpSpPr>
+        <a:xfrm>
+          <a:off x="0" y="0"/>
+          <a:ext cx="0" cy="0"/>
+          <a:chOff x="0" y="0"/>
+          <a:chExt cx="0" cy="0"/>
+        </a:xfrm>
+      </p:grpSpPr>
+      <p:sp>
+        <p:nvSpPr>
+          <p:cNvPr id="2" name="object 2"/>
+          <p:cNvSpPr txBox="1">
+            <a:spLocks noGrp="1"/>
+          </p:cNvSpPr>
+          <p:nvPr>
+            <p:ph type="ctrTitle"/>
+          </p:nvPr>
+        </p:nvSpPr>
+        <p:spPr>
+          <a:prstGeom prst="rect">
+            <a:avLst/>
+          </a:prstGeom>
+        </p:spPr>
+        <p:txBody>
+          <a:bodyPr vert="horz" wrap="square" lIns="0" tIns="12700" rIns="0" bIns="0" rtlCol="0">
+            <a:spAutoFit/>
+          </a:bodyPr>
+          <a:lstStyle/>
+          <a:p>
+            <a:pPr marL="12700">
+              <a:lnSpc>
+                <a:spcPct val="100000"/>
+              </a:lnSpc>
+              <a:spcBef>
+                <a:spcPts val="100"/>
+              </a:spcBef>
+            </a:pPr>
+            <a:r>
+              <a:rPr spc="-45" dirty="0"/>
+              <a:t>Machine,</a:t>
+            </a:r>
+            <a:r>
+              <a:rPr spc="-215" dirty="0"/>
+              <a:t> </a:t>
+            </a:r>
+            <a:r>
+              <a:rPr spc="-25" dirty="0">
+                <a:latin typeface="Cambria Math"/>
+                <a:cs typeface="Cambria Math"/>
+              </a:rPr>
+              <a:t>𝐸</a:t>
+            </a:r>
+            <a:r>
+              <a:rPr spc="-25" dirty="0"/>
+              <a:t>2</a:t>
+            </a:r>
+            <a:r>
+              <a:rPr lang="en-US" spc="-25" dirty="0"/>
               <a:t>8</a:t>
             </a:r>
             <a:endParaRPr spc="-25" dirty="0"/>
@@ -49523,28 +51706,6 @@
           </a:p>
         </p:txBody>
       </p:sp>
-      <p:pic>
-        <p:nvPicPr>
-          <p:cNvPr id="4" name="object 4"/>
-          <p:cNvPicPr/>
-          <p:nvPr/>
-        </p:nvPicPr>
-        <p:blipFill>
-          <a:blip r:embed="rId2" cstate="print"/>
-          <a:stretch>
-            <a:fillRect/>
-          </a:stretch>
-        </p:blipFill>
-        <p:spPr>
-          <a:xfrm>
-            <a:off x="4809744" y="2677667"/>
-            <a:ext cx="2377439" cy="2514599"/>
-          </a:xfrm>
-          <a:prstGeom prst="rect">
-            <a:avLst/>
-          </a:prstGeom>
-        </p:spPr>
-      </p:pic>
       <p:sp>
         <p:nvSpPr>
           <p:cNvPr id="5" name="object 5"/>
@@ -49573,7 +51734,7 @@
             </a:pPr>
             <a:fld id="{81D60167-4931-47E6-BA6A-407CBD079E47}" type="slidenum">
               <a:rPr spc="-25" dirty="0"/>
-              <a:t>52</a:t>
+              <a:t>54</a:t>
             </a:fld>
             <a:endParaRPr spc="-25" dirty="0"/>
           </a:p>
@@ -49951,7 +52112,969 @@
 </p:sld>
 </file>
 
-<file path=ppt/slides/slide53.xml><?xml version="1.0" encoding="utf-8"?>
+<file path=ppt/slides/slide55.xml><?xml version="1.0" encoding="utf-8"?>
+<p:sld xmlns:a="http://schemas.openxmlformats.org/drawingml/2006/main" xmlns:r="http://schemas.openxmlformats.org/officeDocument/2006/relationships" xmlns:p="http://schemas.openxmlformats.org/presentationml/2006/main">
+  <p:cSld>
+    <p:spTree>
+      <p:nvGrpSpPr>
+        <p:cNvPr id="1" name="">
+          <a:extLst>
+            <a:ext uri="{FF2B5EF4-FFF2-40B4-BE49-F238E27FC236}">
+              <a16:creationId xmlns:a16="http://schemas.microsoft.com/office/drawing/2014/main" id="{548ECD84-99DC-3B47-65B3-8D9B9531CCB2}"/>
+            </a:ext>
+          </a:extLst>
+        </p:cNvPr>
+        <p:cNvGrpSpPr/>
+        <p:nvPr/>
+      </p:nvGrpSpPr>
+      <p:grpSpPr>
+        <a:xfrm>
+          <a:off x="0" y="0"/>
+          <a:ext cx="0" cy="0"/>
+          <a:chOff x="0" y="0"/>
+          <a:chExt cx="0" cy="0"/>
+        </a:xfrm>
+      </p:grpSpPr>
+      <p:sp>
+        <p:nvSpPr>
+          <p:cNvPr id="2" name="object 2">
+            <a:extLst>
+              <a:ext uri="{FF2B5EF4-FFF2-40B4-BE49-F238E27FC236}">
+                <a16:creationId xmlns:a16="http://schemas.microsoft.com/office/drawing/2014/main" id="{9FFEF5C3-CD74-6CF3-C7A2-EAB71EFBFAAB}"/>
+              </a:ext>
+            </a:extLst>
+          </p:cNvPr>
+          <p:cNvSpPr txBox="1">
+            <a:spLocks noGrp="1"/>
+          </p:cNvSpPr>
+          <p:nvPr>
+            <p:ph type="ctrTitle"/>
+          </p:nvPr>
+        </p:nvSpPr>
+        <p:spPr>
+          <a:prstGeom prst="rect">
+            <a:avLst/>
+          </a:prstGeom>
+        </p:spPr>
+        <p:txBody>
+          <a:bodyPr vert="horz" wrap="square" lIns="0" tIns="12700" rIns="0" bIns="0" rtlCol="0">
+            <a:spAutoFit/>
+          </a:bodyPr>
+          <a:lstStyle/>
+          <a:p>
+            <a:pPr marL="12700">
+              <a:lnSpc>
+                <a:spcPct val="100000"/>
+              </a:lnSpc>
+              <a:spcBef>
+                <a:spcPts val="100"/>
+              </a:spcBef>
+            </a:pPr>
+            <a:r>
+              <a:rPr spc="-45" dirty="0"/>
+              <a:t>Machine,</a:t>
+            </a:r>
+            <a:r>
+              <a:rPr spc="-215" dirty="0"/>
+              <a:t> </a:t>
+            </a:r>
+            <a:r>
+              <a:rPr spc="-25" dirty="0">
+                <a:latin typeface="Cambria Math"/>
+                <a:cs typeface="Cambria Math"/>
+              </a:rPr>
+              <a:t>𝐸</a:t>
+            </a:r>
+            <a:r>
+              <a:rPr spc="-25" dirty="0"/>
+              <a:t>2</a:t>
+            </a:r>
+            <a:r>
+              <a:rPr lang="en-US" spc="-25" dirty="0"/>
+              <a:t>8</a:t>
+            </a:r>
+            <a:endParaRPr spc="-25" dirty="0"/>
+          </a:p>
+        </p:txBody>
+      </p:sp>
+      <p:sp>
+        <p:nvSpPr>
+          <p:cNvPr id="3" name="object 3">
+            <a:extLst>
+              <a:ext uri="{FF2B5EF4-FFF2-40B4-BE49-F238E27FC236}">
+                <a16:creationId xmlns:a16="http://schemas.microsoft.com/office/drawing/2014/main" id="{0294BBC5-7E55-0854-227F-43E15EFD60AA}"/>
+              </a:ext>
+            </a:extLst>
+          </p:cNvPr>
+          <p:cNvSpPr txBox="1"/>
+          <p:nvPr/>
+        </p:nvSpPr>
+        <p:spPr>
+          <a:xfrm>
+            <a:off x="1176324" y="1831975"/>
+            <a:ext cx="8136890" cy="330835"/>
+          </a:xfrm>
+          <a:prstGeom prst="rect">
+            <a:avLst/>
+          </a:prstGeom>
+        </p:spPr>
+        <p:txBody>
+          <a:bodyPr vert="horz" wrap="square" lIns="0" tIns="13335" rIns="0" bIns="0" rtlCol="0">
+            <a:spAutoFit/>
+          </a:bodyPr>
+          <a:lstStyle/>
+          <a:p>
+            <a:pPr marL="12700">
+              <a:lnSpc>
+                <a:spcPct val="100000"/>
+              </a:lnSpc>
+              <a:spcBef>
+                <a:spcPts val="105"/>
+              </a:spcBef>
+            </a:pPr>
+            <a:r>
+              <a:rPr sz="2000" dirty="0">
+                <a:solidFill>
+                  <a:srgbClr val="404040"/>
+                </a:solidFill>
+                <a:latin typeface="Calibri"/>
+                <a:cs typeface="Calibri"/>
+              </a:rPr>
+              <a:t>Give</a:t>
+            </a:r>
+            <a:r>
+              <a:rPr sz="2000" spc="-25" dirty="0">
+                <a:solidFill>
+                  <a:srgbClr val="404040"/>
+                </a:solidFill>
+                <a:latin typeface="Calibri"/>
+                <a:cs typeface="Calibri"/>
+              </a:rPr>
+              <a:t> </a:t>
+            </a:r>
+            <a:r>
+              <a:rPr sz="2000" dirty="0">
+                <a:solidFill>
+                  <a:srgbClr val="404040"/>
+                </a:solidFill>
+                <a:latin typeface="Calibri"/>
+                <a:cs typeface="Calibri"/>
+              </a:rPr>
+              <a:t>a</a:t>
+            </a:r>
+            <a:r>
+              <a:rPr sz="2000" spc="-35" dirty="0">
+                <a:solidFill>
+                  <a:srgbClr val="404040"/>
+                </a:solidFill>
+                <a:latin typeface="Calibri"/>
+                <a:cs typeface="Calibri"/>
+              </a:rPr>
+              <a:t> </a:t>
+            </a:r>
+            <a:r>
+              <a:rPr sz="2000" spc="-20" dirty="0">
+                <a:solidFill>
+                  <a:srgbClr val="404040"/>
+                </a:solidFill>
+                <a:latin typeface="Calibri"/>
+                <a:cs typeface="Calibri"/>
+              </a:rPr>
+              <a:t>DFA</a:t>
+            </a:r>
+            <a:r>
+              <a:rPr sz="2000" spc="-50" dirty="0">
+                <a:solidFill>
+                  <a:srgbClr val="404040"/>
+                </a:solidFill>
+                <a:latin typeface="Calibri"/>
+                <a:cs typeface="Calibri"/>
+              </a:rPr>
+              <a:t> </a:t>
+            </a:r>
+            <a:r>
+              <a:rPr sz="2000" dirty="0">
+                <a:solidFill>
+                  <a:srgbClr val="404040"/>
+                </a:solidFill>
+                <a:latin typeface="Calibri"/>
+                <a:cs typeface="Calibri"/>
+              </a:rPr>
+              <a:t>for</a:t>
+            </a:r>
+            <a:r>
+              <a:rPr sz="2000" spc="-50" dirty="0">
+                <a:solidFill>
+                  <a:srgbClr val="404040"/>
+                </a:solidFill>
+                <a:latin typeface="Calibri"/>
+                <a:cs typeface="Calibri"/>
+              </a:rPr>
+              <a:t> </a:t>
+            </a:r>
+            <a:r>
+              <a:rPr sz="2000" dirty="0">
+                <a:solidFill>
+                  <a:srgbClr val="404040"/>
+                </a:solidFill>
+                <a:latin typeface="Calibri"/>
+                <a:cs typeface="Calibri"/>
+              </a:rPr>
+              <a:t>Σ</a:t>
+            </a:r>
+            <a:r>
+              <a:rPr sz="2000" spc="-45" dirty="0">
+                <a:solidFill>
+                  <a:srgbClr val="404040"/>
+                </a:solidFill>
+                <a:latin typeface="Calibri"/>
+                <a:cs typeface="Calibri"/>
+              </a:rPr>
+              <a:t> </a:t>
+            </a:r>
+            <a:r>
+              <a:rPr sz="2000" dirty="0">
+                <a:solidFill>
+                  <a:srgbClr val="404040"/>
+                </a:solidFill>
+                <a:latin typeface="Calibri"/>
+                <a:cs typeface="Calibri"/>
+              </a:rPr>
+              <a:t>=</a:t>
+            </a:r>
+            <a:r>
+              <a:rPr sz="2000" spc="-35" dirty="0">
+                <a:solidFill>
+                  <a:srgbClr val="404040"/>
+                </a:solidFill>
+                <a:latin typeface="Calibri"/>
+                <a:cs typeface="Calibri"/>
+              </a:rPr>
+              <a:t> </a:t>
+            </a:r>
+            <a:r>
+              <a:rPr sz="2000" dirty="0">
+                <a:solidFill>
+                  <a:srgbClr val="404040"/>
+                </a:solidFill>
+                <a:latin typeface="Calibri"/>
+                <a:cs typeface="Calibri"/>
+              </a:rPr>
+              <a:t>{</a:t>
+            </a:r>
+            <a:r>
+              <a:rPr sz="2000" spc="-40" dirty="0">
+                <a:solidFill>
+                  <a:srgbClr val="404040"/>
+                </a:solidFill>
+                <a:latin typeface="Calibri"/>
+                <a:cs typeface="Calibri"/>
+              </a:rPr>
+              <a:t> </a:t>
+            </a:r>
+            <a:r>
+              <a:rPr sz="2000" dirty="0">
+                <a:solidFill>
+                  <a:srgbClr val="404040"/>
+                </a:solidFill>
+                <a:latin typeface="Calibri"/>
+                <a:cs typeface="Calibri"/>
+              </a:rPr>
+              <a:t>a,</a:t>
+            </a:r>
+            <a:r>
+              <a:rPr sz="2000" spc="-30" dirty="0">
+                <a:solidFill>
+                  <a:srgbClr val="404040"/>
+                </a:solidFill>
+                <a:latin typeface="Calibri"/>
+                <a:cs typeface="Calibri"/>
+              </a:rPr>
+              <a:t> </a:t>
+            </a:r>
+            <a:r>
+              <a:rPr sz="2000" dirty="0">
+                <a:solidFill>
+                  <a:srgbClr val="404040"/>
+                </a:solidFill>
+                <a:latin typeface="Calibri"/>
+                <a:cs typeface="Calibri"/>
+              </a:rPr>
+              <a:t>b</a:t>
+            </a:r>
+            <a:r>
+              <a:rPr sz="2000" spc="-45" dirty="0">
+                <a:solidFill>
+                  <a:srgbClr val="404040"/>
+                </a:solidFill>
+                <a:latin typeface="Calibri"/>
+                <a:cs typeface="Calibri"/>
+              </a:rPr>
+              <a:t> </a:t>
+            </a:r>
+            <a:r>
+              <a:rPr sz="2000" dirty="0">
+                <a:solidFill>
+                  <a:srgbClr val="404040"/>
+                </a:solidFill>
+                <a:latin typeface="Calibri"/>
+                <a:cs typeface="Calibri"/>
+              </a:rPr>
+              <a:t>}</a:t>
+            </a:r>
+            <a:r>
+              <a:rPr sz="2000" spc="-35" dirty="0">
+                <a:solidFill>
+                  <a:srgbClr val="404040"/>
+                </a:solidFill>
+                <a:latin typeface="Calibri"/>
+                <a:cs typeface="Calibri"/>
+              </a:rPr>
+              <a:t> </a:t>
+            </a:r>
+            <a:r>
+              <a:rPr sz="2000" dirty="0">
+                <a:solidFill>
+                  <a:srgbClr val="404040"/>
+                </a:solidFill>
+                <a:latin typeface="Calibri"/>
+                <a:cs typeface="Calibri"/>
+              </a:rPr>
+              <a:t>and</a:t>
+            </a:r>
+            <a:r>
+              <a:rPr sz="2000" spc="-50" dirty="0">
+                <a:solidFill>
+                  <a:srgbClr val="404040"/>
+                </a:solidFill>
+                <a:latin typeface="Calibri"/>
+                <a:cs typeface="Calibri"/>
+              </a:rPr>
+              <a:t> </a:t>
+            </a:r>
+            <a:r>
+              <a:rPr sz="2000" spc="-10" dirty="0">
+                <a:solidFill>
+                  <a:srgbClr val="404040"/>
+                </a:solidFill>
+                <a:latin typeface="Calibri"/>
+                <a:cs typeface="Calibri"/>
+              </a:rPr>
+              <a:t>contains</a:t>
+            </a:r>
+            <a:r>
+              <a:rPr sz="2000" spc="-35" dirty="0">
+                <a:solidFill>
+                  <a:srgbClr val="404040"/>
+                </a:solidFill>
+                <a:latin typeface="Calibri"/>
+                <a:cs typeface="Calibri"/>
+              </a:rPr>
+              <a:t> </a:t>
+            </a:r>
+            <a:r>
+              <a:rPr sz="2000" dirty="0">
+                <a:solidFill>
+                  <a:srgbClr val="404040"/>
+                </a:solidFill>
+                <a:latin typeface="Calibri"/>
+                <a:cs typeface="Calibri"/>
+              </a:rPr>
+              <a:t>strings</a:t>
+            </a:r>
+            <a:r>
+              <a:rPr sz="2000" spc="-30" dirty="0">
+                <a:solidFill>
+                  <a:srgbClr val="404040"/>
+                </a:solidFill>
+                <a:latin typeface="Calibri"/>
+                <a:cs typeface="Calibri"/>
+              </a:rPr>
+              <a:t> </a:t>
+            </a:r>
+            <a:r>
+              <a:rPr sz="2000" dirty="0">
+                <a:solidFill>
+                  <a:srgbClr val="404040"/>
+                </a:solidFill>
+                <a:latin typeface="Calibri"/>
+                <a:cs typeface="Calibri"/>
+              </a:rPr>
+              <a:t>where</a:t>
+            </a:r>
+            <a:r>
+              <a:rPr sz="2000" spc="-35" dirty="0">
+                <a:solidFill>
+                  <a:srgbClr val="404040"/>
+                </a:solidFill>
+                <a:latin typeface="Calibri"/>
+                <a:cs typeface="Calibri"/>
+              </a:rPr>
+              <a:t> </a:t>
+            </a:r>
+            <a:r>
+              <a:rPr sz="2000" dirty="0">
+                <a:solidFill>
+                  <a:srgbClr val="404040"/>
+                </a:solidFill>
+                <a:latin typeface="Calibri"/>
+                <a:cs typeface="Calibri"/>
+              </a:rPr>
+              <a:t>each</a:t>
+            </a:r>
+            <a:r>
+              <a:rPr sz="2000" spc="-35" dirty="0">
+                <a:solidFill>
+                  <a:srgbClr val="404040"/>
+                </a:solidFill>
+                <a:latin typeface="Calibri"/>
+                <a:cs typeface="Calibri"/>
+              </a:rPr>
+              <a:t> </a:t>
+            </a:r>
+            <a:r>
+              <a:rPr sz="2000" dirty="0">
+                <a:solidFill>
+                  <a:srgbClr val="404040"/>
+                </a:solidFill>
+                <a:latin typeface="Calibri"/>
+                <a:cs typeface="Calibri"/>
+              </a:rPr>
+              <a:t>‘a’</a:t>
+            </a:r>
+            <a:r>
+              <a:rPr sz="2000" spc="-35" dirty="0">
+                <a:solidFill>
+                  <a:srgbClr val="404040"/>
+                </a:solidFill>
+                <a:latin typeface="Calibri"/>
+                <a:cs typeface="Calibri"/>
+              </a:rPr>
+              <a:t> </a:t>
+            </a:r>
+            <a:r>
+              <a:rPr sz="2000" dirty="0">
+                <a:solidFill>
+                  <a:srgbClr val="404040"/>
+                </a:solidFill>
+                <a:latin typeface="Calibri"/>
+                <a:cs typeface="Calibri"/>
+              </a:rPr>
+              <a:t>is</a:t>
+            </a:r>
+            <a:r>
+              <a:rPr sz="2000" spc="-25" dirty="0">
+                <a:solidFill>
+                  <a:srgbClr val="404040"/>
+                </a:solidFill>
+                <a:latin typeface="Calibri"/>
+                <a:cs typeface="Calibri"/>
+              </a:rPr>
+              <a:t> </a:t>
+            </a:r>
+            <a:r>
+              <a:rPr sz="2000" dirty="0">
+                <a:solidFill>
+                  <a:srgbClr val="404040"/>
+                </a:solidFill>
+                <a:latin typeface="Calibri"/>
+                <a:cs typeface="Calibri"/>
+              </a:rPr>
+              <a:t>followed</a:t>
+            </a:r>
+            <a:r>
+              <a:rPr sz="2000" spc="-45" dirty="0">
+                <a:solidFill>
+                  <a:srgbClr val="404040"/>
+                </a:solidFill>
+                <a:latin typeface="Calibri"/>
+                <a:cs typeface="Calibri"/>
+              </a:rPr>
+              <a:t> </a:t>
+            </a:r>
+            <a:r>
+              <a:rPr sz="2000" dirty="0">
+                <a:solidFill>
+                  <a:srgbClr val="404040"/>
+                </a:solidFill>
+                <a:latin typeface="Calibri"/>
+                <a:cs typeface="Calibri"/>
+              </a:rPr>
+              <a:t>by</a:t>
+            </a:r>
+            <a:r>
+              <a:rPr sz="2000" spc="-45" dirty="0">
+                <a:solidFill>
+                  <a:srgbClr val="404040"/>
+                </a:solidFill>
+                <a:latin typeface="Calibri"/>
+                <a:cs typeface="Calibri"/>
+              </a:rPr>
+              <a:t> </a:t>
+            </a:r>
+            <a:r>
+              <a:rPr sz="2000" spc="-20" dirty="0">
+                <a:solidFill>
+                  <a:srgbClr val="404040"/>
+                </a:solidFill>
+                <a:latin typeface="Calibri"/>
+                <a:cs typeface="Calibri"/>
+              </a:rPr>
+              <a:t>‘bb’</a:t>
+            </a:r>
+            <a:endParaRPr sz="2000">
+              <a:latin typeface="Calibri"/>
+              <a:cs typeface="Calibri"/>
+            </a:endParaRPr>
+          </a:p>
+        </p:txBody>
+      </p:sp>
+      <p:pic>
+        <p:nvPicPr>
+          <p:cNvPr id="4" name="object 4">
+            <a:extLst>
+              <a:ext uri="{FF2B5EF4-FFF2-40B4-BE49-F238E27FC236}">
+                <a16:creationId xmlns:a16="http://schemas.microsoft.com/office/drawing/2014/main" id="{BF6056D4-6BE1-6CA8-762A-167BFA829BF0}"/>
+              </a:ext>
+            </a:extLst>
+          </p:cNvPr>
+          <p:cNvPicPr/>
+          <p:nvPr/>
+        </p:nvPicPr>
+        <p:blipFill>
+          <a:blip r:embed="rId2" cstate="print"/>
+          <a:stretch>
+            <a:fillRect/>
+          </a:stretch>
+        </p:blipFill>
+        <p:spPr>
+          <a:xfrm>
+            <a:off x="4809744" y="2677667"/>
+            <a:ext cx="2377439" cy="2514599"/>
+          </a:xfrm>
+          <a:prstGeom prst="rect">
+            <a:avLst/>
+          </a:prstGeom>
+        </p:spPr>
+      </p:pic>
+      <p:sp>
+        <p:nvSpPr>
+          <p:cNvPr id="5" name="object 5">
+            <a:extLst>
+              <a:ext uri="{FF2B5EF4-FFF2-40B4-BE49-F238E27FC236}">
+                <a16:creationId xmlns:a16="http://schemas.microsoft.com/office/drawing/2014/main" id="{DA93690A-A6F4-D113-42A3-FB36504969BB}"/>
+              </a:ext>
+            </a:extLst>
+          </p:cNvPr>
+          <p:cNvSpPr txBox="1">
+            <a:spLocks noGrp="1"/>
+          </p:cNvSpPr>
+          <p:nvPr>
+            <p:ph type="sldNum" sz="quarter" idx="7"/>
+          </p:nvPr>
+        </p:nvSpPr>
+        <p:spPr>
+          <a:prstGeom prst="rect">
+            <a:avLst/>
+          </a:prstGeom>
+        </p:spPr>
+        <p:txBody>
+          <a:bodyPr vert="horz" wrap="square" lIns="0" tIns="0" rIns="0" bIns="0" rtlCol="0">
+            <a:spAutoFit/>
+          </a:bodyPr>
+          <a:lstStyle/>
+          <a:p>
+            <a:pPr marL="12700">
+              <a:lnSpc>
+                <a:spcPts val="1100"/>
+              </a:lnSpc>
+            </a:pPr>
+            <a:fld id="{81D60167-4931-47E6-BA6A-407CBD079E47}" type="slidenum">
+              <a:rPr spc="-25" dirty="0"/>
+              <a:t>55</a:t>
+            </a:fld>
+            <a:endParaRPr spc="-25" dirty="0"/>
+          </a:p>
+        </p:txBody>
+      </p:sp>
+      <p:sp>
+        <p:nvSpPr>
+          <p:cNvPr id="6" name="object 5">
+            <a:extLst>
+              <a:ext uri="{FF2B5EF4-FFF2-40B4-BE49-F238E27FC236}">
+                <a16:creationId xmlns:a16="http://schemas.microsoft.com/office/drawing/2014/main" id="{7F70FBA3-462D-4946-95D3-90D95FE0F3E7}"/>
+              </a:ext>
+            </a:extLst>
+          </p:cNvPr>
+          <p:cNvSpPr txBox="1">
+            <a:spLocks/>
+          </p:cNvSpPr>
+          <p:nvPr/>
+        </p:nvSpPr>
+        <p:spPr>
+          <a:xfrm>
+            <a:off x="4306825" y="6477000"/>
+            <a:ext cx="3236975" cy="319062"/>
+          </a:xfrm>
+          <a:prstGeom prst="rect">
+            <a:avLst/>
+          </a:prstGeom>
+        </p:spPr>
+        <p:txBody>
+          <a:bodyPr vert="horz" wrap="square" lIns="0" tIns="0" rIns="0" bIns="0" rtlCol="0">
+            <a:spAutoFit/>
+          </a:bodyPr>
+          <a:lstStyle>
+            <a:defPPr marR="0" lvl="0" algn="l" rtl="0">
+              <a:lnSpc>
+                <a:spcPct val="100000"/>
+              </a:lnSpc>
+              <a:spcBef>
+                <a:spcPts val="0"/>
+              </a:spcBef>
+              <a:spcAft>
+                <a:spcPts val="0"/>
+              </a:spcAft>
+            </a:defPPr>
+            <a:lvl1pPr marR="0" lvl="0" algn="l" rtl="0">
+              <a:lnSpc>
+                <a:spcPct val="100000"/>
+              </a:lnSpc>
+              <a:spcBef>
+                <a:spcPts val="0"/>
+              </a:spcBef>
+              <a:spcAft>
+                <a:spcPts val="0"/>
+              </a:spcAft>
+              <a:buClr>
+                <a:srgbClr val="000000"/>
+              </a:buClr>
+              <a:buFont typeface="Arial"/>
+              <a:defRPr sz="1400" b="0" i="0" u="none" strike="noStrike" cap="none">
+                <a:solidFill>
+                  <a:srgbClr val="000000"/>
+                </a:solidFill>
+                <a:latin typeface="Arial"/>
+                <a:ea typeface="Arial"/>
+                <a:cs typeface="Arial"/>
+                <a:sym typeface="Arial"/>
+              </a:defRPr>
+            </a:lvl1pPr>
+            <a:lvl2pPr marR="0" lvl="1" algn="l" rtl="0">
+              <a:lnSpc>
+                <a:spcPct val="100000"/>
+              </a:lnSpc>
+              <a:spcBef>
+                <a:spcPts val="0"/>
+              </a:spcBef>
+              <a:spcAft>
+                <a:spcPts val="0"/>
+              </a:spcAft>
+              <a:buClr>
+                <a:srgbClr val="000000"/>
+              </a:buClr>
+              <a:buFont typeface="Arial"/>
+              <a:defRPr sz="1400" b="0" i="0" u="none" strike="noStrike" cap="none">
+                <a:solidFill>
+                  <a:srgbClr val="000000"/>
+                </a:solidFill>
+                <a:latin typeface="Arial"/>
+                <a:ea typeface="Arial"/>
+                <a:cs typeface="Arial"/>
+                <a:sym typeface="Arial"/>
+              </a:defRPr>
+            </a:lvl2pPr>
+            <a:lvl3pPr marR="0" lvl="2" algn="l" rtl="0">
+              <a:lnSpc>
+                <a:spcPct val="100000"/>
+              </a:lnSpc>
+              <a:spcBef>
+                <a:spcPts val="0"/>
+              </a:spcBef>
+              <a:spcAft>
+                <a:spcPts val="0"/>
+              </a:spcAft>
+              <a:buClr>
+                <a:srgbClr val="000000"/>
+              </a:buClr>
+              <a:buFont typeface="Arial"/>
+              <a:defRPr sz="1400" b="0" i="0" u="none" strike="noStrike" cap="none">
+                <a:solidFill>
+                  <a:srgbClr val="000000"/>
+                </a:solidFill>
+                <a:latin typeface="Arial"/>
+                <a:ea typeface="Arial"/>
+                <a:cs typeface="Arial"/>
+                <a:sym typeface="Arial"/>
+              </a:defRPr>
+            </a:lvl3pPr>
+            <a:lvl4pPr marR="0" lvl="3" algn="l" rtl="0">
+              <a:lnSpc>
+                <a:spcPct val="100000"/>
+              </a:lnSpc>
+              <a:spcBef>
+                <a:spcPts val="0"/>
+              </a:spcBef>
+              <a:spcAft>
+                <a:spcPts val="0"/>
+              </a:spcAft>
+              <a:buClr>
+                <a:srgbClr val="000000"/>
+              </a:buClr>
+              <a:buFont typeface="Arial"/>
+              <a:defRPr sz="1400" b="0" i="0" u="none" strike="noStrike" cap="none">
+                <a:solidFill>
+                  <a:srgbClr val="000000"/>
+                </a:solidFill>
+                <a:latin typeface="Arial"/>
+                <a:ea typeface="Arial"/>
+                <a:cs typeface="Arial"/>
+                <a:sym typeface="Arial"/>
+              </a:defRPr>
+            </a:lvl4pPr>
+            <a:lvl5pPr marR="0" lvl="4" algn="l" rtl="0">
+              <a:lnSpc>
+                <a:spcPct val="100000"/>
+              </a:lnSpc>
+              <a:spcBef>
+                <a:spcPts val="0"/>
+              </a:spcBef>
+              <a:spcAft>
+                <a:spcPts val="0"/>
+              </a:spcAft>
+              <a:buClr>
+                <a:srgbClr val="000000"/>
+              </a:buClr>
+              <a:buFont typeface="Arial"/>
+              <a:defRPr sz="1400" b="0" i="0" u="none" strike="noStrike" cap="none">
+                <a:solidFill>
+                  <a:srgbClr val="000000"/>
+                </a:solidFill>
+                <a:latin typeface="Arial"/>
+                <a:ea typeface="Arial"/>
+                <a:cs typeface="Arial"/>
+                <a:sym typeface="Arial"/>
+              </a:defRPr>
+            </a:lvl5pPr>
+            <a:lvl6pPr marR="0" lvl="5" algn="l" rtl="0">
+              <a:lnSpc>
+                <a:spcPct val="100000"/>
+              </a:lnSpc>
+              <a:spcBef>
+                <a:spcPts val="0"/>
+              </a:spcBef>
+              <a:spcAft>
+                <a:spcPts val="0"/>
+              </a:spcAft>
+              <a:buClr>
+                <a:srgbClr val="000000"/>
+              </a:buClr>
+              <a:buFont typeface="Arial"/>
+              <a:defRPr sz="1400" b="0" i="0" u="none" strike="noStrike" cap="none">
+                <a:solidFill>
+                  <a:srgbClr val="000000"/>
+                </a:solidFill>
+                <a:latin typeface="Arial"/>
+                <a:ea typeface="Arial"/>
+                <a:cs typeface="Arial"/>
+                <a:sym typeface="Arial"/>
+              </a:defRPr>
+            </a:lvl6pPr>
+            <a:lvl7pPr marR="0" lvl="6" algn="l" rtl="0">
+              <a:lnSpc>
+                <a:spcPct val="100000"/>
+              </a:lnSpc>
+              <a:spcBef>
+                <a:spcPts val="0"/>
+              </a:spcBef>
+              <a:spcAft>
+                <a:spcPts val="0"/>
+              </a:spcAft>
+              <a:buClr>
+                <a:srgbClr val="000000"/>
+              </a:buClr>
+              <a:buFont typeface="Arial"/>
+              <a:defRPr sz="1400" b="0" i="0" u="none" strike="noStrike" cap="none">
+                <a:solidFill>
+                  <a:srgbClr val="000000"/>
+                </a:solidFill>
+                <a:latin typeface="Arial"/>
+                <a:ea typeface="Arial"/>
+                <a:cs typeface="Arial"/>
+                <a:sym typeface="Arial"/>
+              </a:defRPr>
+            </a:lvl7pPr>
+            <a:lvl8pPr marR="0" lvl="7" algn="l" rtl="0">
+              <a:lnSpc>
+                <a:spcPct val="100000"/>
+              </a:lnSpc>
+              <a:spcBef>
+                <a:spcPts val="0"/>
+              </a:spcBef>
+              <a:spcAft>
+                <a:spcPts val="0"/>
+              </a:spcAft>
+              <a:buClr>
+                <a:srgbClr val="000000"/>
+              </a:buClr>
+              <a:buFont typeface="Arial"/>
+              <a:defRPr sz="1400" b="0" i="0" u="none" strike="noStrike" cap="none">
+                <a:solidFill>
+                  <a:srgbClr val="000000"/>
+                </a:solidFill>
+                <a:latin typeface="Arial"/>
+                <a:ea typeface="Arial"/>
+                <a:cs typeface="Arial"/>
+                <a:sym typeface="Arial"/>
+              </a:defRPr>
+            </a:lvl8pPr>
+            <a:lvl9pPr marR="0" lvl="8" algn="l" rtl="0">
+              <a:lnSpc>
+                <a:spcPct val="100000"/>
+              </a:lnSpc>
+              <a:spcBef>
+                <a:spcPts val="0"/>
+              </a:spcBef>
+              <a:spcAft>
+                <a:spcPts val="0"/>
+              </a:spcAft>
+              <a:buClr>
+                <a:srgbClr val="000000"/>
+              </a:buClr>
+              <a:buFont typeface="Arial"/>
+              <a:defRPr sz="1400" b="0" i="0" u="none" strike="noStrike" cap="none">
+                <a:solidFill>
+                  <a:srgbClr val="000000"/>
+                </a:solidFill>
+                <a:latin typeface="Arial"/>
+                <a:ea typeface="Arial"/>
+                <a:cs typeface="Arial"/>
+                <a:sym typeface="Arial"/>
+              </a:defRPr>
+            </a:lvl9pPr>
+          </a:lstStyle>
+          <a:p>
+            <a:pPr algn="ctr">
+              <a:lnSpc>
+                <a:spcPts val="1240"/>
+              </a:lnSpc>
+            </a:pPr>
+            <a:r>
+              <a:rPr lang="en-GB" dirty="0">
+                <a:solidFill>
+                  <a:schemeClr val="tx1"/>
+                </a:solidFill>
+                <a:latin typeface="Aptos Display" panose="020B0004020202020204" pitchFamily="34" charset="0"/>
+              </a:rPr>
+              <a:t>Lecturer Saifur Rahman,</a:t>
+            </a:r>
+            <a:r>
+              <a:rPr lang="en-GB" spc="-30" dirty="0">
+                <a:solidFill>
+                  <a:schemeClr val="tx1"/>
+                </a:solidFill>
+                <a:latin typeface="Aptos Display" panose="020B0004020202020204" pitchFamily="34" charset="0"/>
+              </a:rPr>
+              <a:t> </a:t>
+            </a:r>
+            <a:r>
+              <a:rPr lang="en-GB" dirty="0">
+                <a:solidFill>
+                  <a:schemeClr val="tx1"/>
+                </a:solidFill>
+                <a:latin typeface="Aptos Display" panose="020B0004020202020204" pitchFamily="34" charset="0"/>
+              </a:rPr>
+              <a:t>Dept.</a:t>
+            </a:r>
+            <a:r>
+              <a:rPr lang="en-GB" spc="-50" dirty="0">
+                <a:solidFill>
+                  <a:schemeClr val="tx1"/>
+                </a:solidFill>
+                <a:latin typeface="Aptos Display" panose="020B0004020202020204" pitchFamily="34" charset="0"/>
+              </a:rPr>
+              <a:t> </a:t>
+            </a:r>
+            <a:r>
+              <a:rPr lang="en-GB" dirty="0">
+                <a:solidFill>
+                  <a:schemeClr val="tx1"/>
+                </a:solidFill>
+                <a:latin typeface="Aptos Display" panose="020B0004020202020204" pitchFamily="34" charset="0"/>
+              </a:rPr>
+              <a:t>of</a:t>
+            </a:r>
+            <a:r>
+              <a:rPr lang="en-GB" spc="-20" dirty="0">
+                <a:solidFill>
+                  <a:schemeClr val="tx1"/>
+                </a:solidFill>
+                <a:latin typeface="Aptos Display" panose="020B0004020202020204" pitchFamily="34" charset="0"/>
+              </a:rPr>
+              <a:t> </a:t>
+            </a:r>
+            <a:r>
+              <a:rPr lang="en-GB" dirty="0">
+                <a:solidFill>
+                  <a:schemeClr val="tx1"/>
+                </a:solidFill>
+                <a:latin typeface="Aptos Display" panose="020B0004020202020204" pitchFamily="34" charset="0"/>
+              </a:rPr>
+              <a:t>CSE,</a:t>
+            </a:r>
+            <a:r>
+              <a:rPr lang="en-GB" spc="-15" dirty="0">
+                <a:solidFill>
+                  <a:schemeClr val="tx1"/>
+                </a:solidFill>
+                <a:latin typeface="Aptos Display" panose="020B0004020202020204" pitchFamily="34" charset="0"/>
+              </a:rPr>
+              <a:t> </a:t>
+            </a:r>
+            <a:r>
+              <a:rPr lang="en-GB" spc="-10" dirty="0">
+                <a:solidFill>
+                  <a:schemeClr val="tx1"/>
+                </a:solidFill>
+                <a:latin typeface="Aptos Display" panose="020B0004020202020204" pitchFamily="34" charset="0"/>
+              </a:rPr>
+              <a:t>United International</a:t>
+            </a:r>
+            <a:r>
+              <a:rPr lang="en-GB" spc="15" dirty="0">
+                <a:solidFill>
+                  <a:schemeClr val="tx1"/>
+                </a:solidFill>
+                <a:latin typeface="Aptos Display" panose="020B0004020202020204" pitchFamily="34" charset="0"/>
+              </a:rPr>
+              <a:t> </a:t>
+            </a:r>
+            <a:r>
+              <a:rPr lang="en-GB" spc="-10" dirty="0">
+                <a:solidFill>
+                  <a:schemeClr val="tx1"/>
+                </a:solidFill>
+                <a:latin typeface="Aptos Display" panose="020B0004020202020204" pitchFamily="34" charset="0"/>
+              </a:rPr>
+              <a:t>University</a:t>
+            </a:r>
+          </a:p>
+        </p:txBody>
+      </p:sp>
+    </p:spTree>
+    <p:extLst>
+      <p:ext uri="{BB962C8B-B14F-4D97-AF65-F5344CB8AC3E}">
+        <p14:creationId xmlns:p14="http://schemas.microsoft.com/office/powerpoint/2010/main" val="1184565443"/>
+      </p:ext>
+    </p:extLst>
+  </p:cSld>
+  <p:clrMapOvr>
+    <a:masterClrMapping/>
+  </p:clrMapOvr>
+</p:sld>
+</file>
+
+<file path=ppt/slides/slide56.xml><?xml version="1.0" encoding="utf-8"?>
 <p:sld xmlns:a="http://schemas.openxmlformats.org/drawingml/2006/main" xmlns:r="http://schemas.openxmlformats.org/officeDocument/2006/relationships" xmlns:p="http://schemas.openxmlformats.org/presentationml/2006/main">
   <p:cSld>
     <p:spTree>
@@ -50112,7 +53235,7 @@
             </a:pPr>
             <a:fld id="{81D60167-4931-47E6-BA6A-407CBD079E47}" type="slidenum">
               <a:rPr spc="-25" dirty="0"/>
-              <a:t>53</a:t>
+              <a:t>56</a:t>
             </a:fld>
             <a:endParaRPr spc="-25" dirty="0"/>
           </a:p>
@@ -51476,7 +54599,7 @@
 </p:sld>
 </file>
 
-<file path=ppt/slides/slide54.xml><?xml version="1.0" encoding="utf-8"?>
+<file path=ppt/slides/slide57.xml><?xml version="1.0" encoding="utf-8"?>
 <p:sld xmlns:a="http://schemas.openxmlformats.org/drawingml/2006/main" xmlns:r="http://schemas.openxmlformats.org/officeDocument/2006/relationships" xmlns:p="http://schemas.openxmlformats.org/presentationml/2006/main" showMasterSp="0">
   <p:cSld>
     <p:spTree>
@@ -51686,7 +54809,7 @@
             </a:pPr>
             <a:fld id="{81D60167-4931-47E6-BA6A-407CBD079E47}" type="slidenum">
               <a:rPr spc="-25" dirty="0"/>
-              <a:t>54</a:t>
+              <a:t>57</a:t>
             </a:fld>
             <a:endParaRPr spc="-25" dirty="0"/>
           </a:p>
